--- a/Case Study - Project 1 - frankenscore Heber june 25.pptx
+++ b/Case Study - Project 1 - frankenscore Heber june 25.pptx
@@ -5,19 +5,19 @@
     <p:sldMasterId id="2147483648" r:id="rId1"/>
   </p:sldMasterIdLst>
   <p:notesMasterIdLst>
-    <p:notesMasterId r:id="rId12"/>
+    <p:notesMasterId r:id="rId4"/>
   </p:notesMasterIdLst>
   <p:sldIdLst>
-    <p:sldId id="256" r:id="rId2"/>
-    <p:sldId id="266" r:id="rId3"/>
-    <p:sldId id="257" r:id="rId4"/>
-    <p:sldId id="259" r:id="rId5"/>
-    <p:sldId id="279" r:id="rId6"/>
-    <p:sldId id="258" r:id="rId7"/>
-    <p:sldId id="262" r:id="rId8"/>
-    <p:sldId id="263" r:id="rId9"/>
-    <p:sldId id="278" r:id="rId10"/>
-    <p:sldId id="265" r:id="rId11"/>
+    <p:sldId id="256" r:id="rId3"/>
+    <p:sldId id="266" r:id="rId5"/>
+    <p:sldId id="257" r:id="rId6"/>
+    <p:sldId id="259" r:id="rId7"/>
+    <p:sldId id="279" r:id="rId8"/>
+    <p:sldId id="258" r:id="rId9"/>
+    <p:sldId id="262" r:id="rId10"/>
+    <p:sldId id="263" r:id="rId11"/>
+    <p:sldId id="278" r:id="rId12"/>
+    <p:sldId id="265" r:id="rId13"/>
   </p:sldIdLst>
   <p:sldSz cx="12192000" cy="6858000"/>
   <p:notesSz cx="6858000" cy="9144000"/>
@@ -116,11 +116,6 @@
       </a:defRPr>
     </a:lvl9pPr>
   </p:defaultTextStyle>
-  <p:extLst>
-    <p:ext uri="{EFAFB233-063F-42B5-8137-9DF3F51BA10A}">
-      <p15:sldGuideLst xmlns:p15="http://schemas.microsoft.com/office/powerpoint/2012/main"/>
-    </p:ext>
-  </p:extLst>
 </p:presentation>
 </file>
 
@@ -206,7 +201,6 @@
           <a:p>
             <a:fld id="{4586B1FD-F6BF-C140-9DD4-6741C72BEFCA}" type="datetimeFigureOut">
               <a:rPr lang="en-US" smtClean="0"/>
-              <a:t>06/25/2018</a:t>
             </a:fld>
             <a:endParaRPr lang="en-US"/>
           </a:p>
@@ -273,6 +267,7 @@
               <a:rPr lang="en-US"/>
               <a:t>Edit Master text styles</a:t>
             </a:r>
+            <a:endParaRPr lang="en-US"/>
           </a:p>
           <a:p>
             <a:pPr lvl="1"/>
@@ -280,6 +275,7 @@
               <a:rPr lang="en-US"/>
               <a:t>Second level</a:t>
             </a:r>
+            <a:endParaRPr lang="en-US"/>
           </a:p>
           <a:p>
             <a:pPr lvl="2"/>
@@ -287,6 +283,7 @@
               <a:rPr lang="en-US"/>
               <a:t>Third level</a:t>
             </a:r>
+            <a:endParaRPr lang="en-US"/>
           </a:p>
           <a:p>
             <a:pPr lvl="3"/>
@@ -294,6 +291,7 @@
               <a:rPr lang="en-US"/>
               <a:t>Fourth level</a:t>
             </a:r>
+            <a:endParaRPr lang="en-US"/>
           </a:p>
           <a:p>
             <a:pPr lvl="4"/>
@@ -301,6 +299,7 @@
               <a:rPr lang="en-US"/>
               <a:t>Fifth level</a:t>
             </a:r>
+            <a:endParaRPr lang="en-US"/>
           </a:p>
         </p:txBody>
       </p:sp>
@@ -364,18 +363,12 @@
           <a:p>
             <a:fld id="{13A72274-11AC-8C41-AE0A-D20F8A90A56D}" type="slidenum">
               <a:rPr lang="en-US" smtClean="0"/>
-              <a:t>‹#›</a:t>
             </a:fld>
             <a:endParaRPr lang="en-US"/>
           </a:p>
         </p:txBody>
       </p:sp>
     </p:spTree>
-    <p:extLst>
-      <p:ext uri="{BB962C8B-B14F-4D97-AF65-F5344CB8AC3E}">
-        <p14:creationId xmlns:p14="http://schemas.microsoft.com/office/powerpoint/2010/main" val="2154822351"/>
-      </p:ext>
-    </p:extLst>
   </p:cSld>
   <p:clrMap bg1="lt1" tx1="dk1" bg2="lt2" tx2="dk2" accent1="accent1" accent2="accent2" accent3="accent3" accent4="accent4" accent5="accent5" accent6="accent6" hlink="hlink" folHlink="folHlink"/>
   <p:notesStyle>
@@ -538,18 +531,12 @@
           <a:p>
             <a:fld id="{13A72274-11AC-8C41-AE0A-D20F8A90A56D}" type="slidenum">
               <a:rPr lang="en-US" smtClean="0"/>
-              <a:t>1</a:t>
             </a:fld>
             <a:endParaRPr lang="en-US"/>
           </a:p>
         </p:txBody>
       </p:sp>
     </p:spTree>
-    <p:extLst>
-      <p:ext uri="{BB962C8B-B14F-4D97-AF65-F5344CB8AC3E}">
-        <p14:creationId xmlns:p14="http://schemas.microsoft.com/office/powerpoint/2010/main" val="454911935"/>
-      </p:ext>
-    </p:extLst>
   </p:cSld>
   <p:clrMapOvr>
     <a:masterClrMapping/>
@@ -622,18 +609,12 @@
           <a:p>
             <a:fld id="{13A72274-11AC-8C41-AE0A-D20F8A90A56D}" type="slidenum">
               <a:rPr lang="en-US" smtClean="0"/>
-              <a:t>2</a:t>
             </a:fld>
             <a:endParaRPr lang="en-US"/>
           </a:p>
         </p:txBody>
       </p:sp>
     </p:spTree>
-    <p:extLst>
-      <p:ext uri="{BB962C8B-B14F-4D97-AF65-F5344CB8AC3E}">
-        <p14:creationId xmlns:p14="http://schemas.microsoft.com/office/powerpoint/2010/main" val="619637756"/>
-      </p:ext>
-    </p:extLst>
   </p:cSld>
   <p:clrMapOvr>
     <a:masterClrMapping/>
@@ -706,18 +687,12 @@
           <a:p>
             <a:fld id="{13A72274-11AC-8C41-AE0A-D20F8A90A56D}" type="slidenum">
               <a:rPr lang="en-US" smtClean="0"/>
-              <a:t>4</a:t>
             </a:fld>
             <a:endParaRPr lang="en-US"/>
           </a:p>
         </p:txBody>
       </p:sp>
     </p:spTree>
-    <p:extLst>
-      <p:ext uri="{BB962C8B-B14F-4D97-AF65-F5344CB8AC3E}">
-        <p14:creationId xmlns:p14="http://schemas.microsoft.com/office/powerpoint/2010/main" val="755558700"/>
-      </p:ext>
-    </p:extLst>
   </p:cSld>
   <p:clrMapOvr>
     <a:masterClrMapping/>
@@ -999,7 +974,6 @@
           <a:p>
             <a:fld id="{78ABE3C1-DBE1-495D-B57B-2849774B866A}" type="datetimeFigureOut">
               <a:rPr lang="en-US" dirty="0"/>
-              <a:t>06/25/2018</a:t>
             </a:fld>
             <a:endParaRPr lang="en-US" dirty="0"/>
           </a:p>
@@ -1046,7 +1020,6 @@
           <a:p>
             <a:fld id="{6D22F896-40B5-4ADD-8801-0D06FADFA095}" type="slidenum">
               <a:rPr lang="en-US" dirty="0"/>
-              <a:t>‹#›</a:t>
             </a:fld>
             <a:endParaRPr lang="en-US" dirty="0"/>
           </a:p>
@@ -1388,6 +1361,7 @@
               <a:rPr lang="en-US"/>
               <a:t>Edit Master text styles</a:t>
             </a:r>
+            <a:endParaRPr lang="en-US"/>
           </a:p>
         </p:txBody>
       </p:sp>
@@ -1408,7 +1382,6 @@
           <a:p>
             <a:fld id="{446C117F-5CCF-4837-BE5F-2B92066CAFAF}" type="datetimeFigureOut">
               <a:rPr lang="en-US" dirty="0"/>
-              <a:t>06/25/2018</a:t>
             </a:fld>
             <a:endParaRPr lang="en-US" dirty="0"/>
           </a:p>
@@ -1455,7 +1428,6 @@
           <a:p>
             <a:fld id="{6D22F896-40B5-4ADD-8801-0D06FADFA095}" type="slidenum">
               <a:rPr lang="en-US" dirty="0"/>
-              <a:t>‹#›</a:t>
             </a:fld>
             <a:endParaRPr lang="en-US" dirty="0"/>
           </a:p>
@@ -1719,6 +1691,7 @@
               <a:rPr lang="en-US"/>
               <a:t>Edit Master text styles</a:t>
             </a:r>
+            <a:endParaRPr lang="en-US"/>
           </a:p>
         </p:txBody>
       </p:sp>
@@ -1739,7 +1712,6 @@
           <a:p>
             <a:fld id="{84EB90BD-B6CE-46B7-997F-7313B992CCDC}" type="datetimeFigureOut">
               <a:rPr lang="en-US" dirty="0"/>
-              <a:t>06/25/2018</a:t>
             </a:fld>
             <a:endParaRPr lang="en-US" dirty="0"/>
           </a:p>
@@ -1786,7 +1758,6 @@
           <a:p>
             <a:fld id="{6D22F896-40B5-4ADD-8801-0D06FADFA095}" type="slidenum">
               <a:rPr lang="en-US" dirty="0"/>
-              <a:t>‹#›</a:t>
             </a:fld>
             <a:endParaRPr lang="en-US" dirty="0"/>
           </a:p>
@@ -2052,6 +2023,7 @@
               <a:rPr lang="en-US"/>
               <a:t>Edit Master text styles</a:t>
             </a:r>
+            <a:endParaRPr lang="en-US"/>
           </a:p>
         </p:txBody>
       </p:sp>
@@ -2119,6 +2091,7 @@
               <a:rPr lang="en-US"/>
               <a:t>Edit Master text styles</a:t>
             </a:r>
+            <a:endParaRPr lang="en-US"/>
           </a:p>
         </p:txBody>
       </p:sp>
@@ -2139,7 +2112,6 @@
           <a:p>
             <a:fld id="{CDB9D11F-B188-461D-B23F-39381795C052}" type="datetimeFigureOut">
               <a:rPr lang="en-US" dirty="0"/>
-              <a:t>06/25/2018</a:t>
             </a:fld>
             <a:endParaRPr lang="en-US" dirty="0"/>
           </a:p>
@@ -2186,7 +2158,6 @@
           <a:p>
             <a:fld id="{6D22F896-40B5-4ADD-8801-0D06FADFA095}" type="slidenum">
               <a:rPr lang="en-US" dirty="0"/>
-              <a:t>‹#›</a:t>
             </a:fld>
             <a:endParaRPr lang="en-US" dirty="0"/>
           </a:p>
@@ -2305,6 +2276,12 @@
               </a:rPr>
               <a:t>“</a:t>
             </a:r>
+            <a:endParaRPr lang="en-US" sz="7200" dirty="0">
+              <a:solidFill>
+                <a:schemeClr val="tx1"/>
+              </a:solidFill>
+              <a:effectLst/>
+            </a:endParaRPr>
           </a:p>
         </p:txBody>
       </p:sp>
@@ -2421,6 +2398,12 @@
               </a:rPr>
               <a:t>”</a:t>
             </a:r>
+            <a:endParaRPr lang="en-US" sz="7200" dirty="0">
+              <a:solidFill>
+                <a:schemeClr val="tx1"/>
+              </a:solidFill>
+              <a:effectLst/>
+            </a:endParaRPr>
           </a:p>
         </p:txBody>
       </p:sp>
@@ -2682,6 +2665,7 @@
               <a:rPr lang="en-US"/>
               <a:t>Edit Master text styles</a:t>
             </a:r>
+            <a:endParaRPr lang="en-US"/>
           </a:p>
         </p:txBody>
       </p:sp>
@@ -2702,7 +2686,6 @@
           <a:p>
             <a:fld id="{52E6D8D9-55A2-4063-B0F3-121F44549695}" type="datetimeFigureOut">
               <a:rPr lang="en-US" dirty="0"/>
-              <a:t>06/25/2018</a:t>
             </a:fld>
             <a:endParaRPr lang="en-US" dirty="0"/>
           </a:p>
@@ -2749,7 +2732,6 @@
           <a:p>
             <a:fld id="{6D22F896-40B5-4ADD-8801-0D06FADFA095}" type="slidenum">
               <a:rPr lang="en-US" dirty="0"/>
-              <a:t>‹#›</a:t>
             </a:fld>
             <a:endParaRPr lang="en-US" dirty="0"/>
           </a:p>
@@ -3015,6 +2997,7 @@
               <a:rPr lang="en-US"/>
               <a:t>Edit Master text styles</a:t>
             </a:r>
+            <a:endParaRPr lang="en-US"/>
           </a:p>
         </p:txBody>
       </p:sp>
@@ -3082,6 +3065,7 @@
               <a:rPr lang="en-US"/>
               <a:t>Edit Master text styles</a:t>
             </a:r>
+            <a:endParaRPr lang="en-US"/>
           </a:p>
         </p:txBody>
       </p:sp>
@@ -3153,6 +3137,7 @@
               <a:rPr lang="en-US"/>
               <a:t>Edit Master text styles</a:t>
             </a:r>
+            <a:endParaRPr lang="en-US"/>
           </a:p>
         </p:txBody>
       </p:sp>
@@ -3220,6 +3205,7 @@
               <a:rPr lang="en-US"/>
               <a:t>Edit Master text styles</a:t>
             </a:r>
+            <a:endParaRPr lang="en-US"/>
           </a:p>
         </p:txBody>
       </p:sp>
@@ -3291,6 +3277,7 @@
               <a:rPr lang="en-US"/>
               <a:t>Edit Master text styles</a:t>
             </a:r>
+            <a:endParaRPr lang="en-US"/>
           </a:p>
         </p:txBody>
       </p:sp>
@@ -3358,6 +3345,7 @@
               <a:rPr lang="en-US"/>
               <a:t>Edit Master text styles</a:t>
             </a:r>
+            <a:endParaRPr lang="en-US"/>
           </a:p>
         </p:txBody>
       </p:sp>
@@ -3378,7 +3366,6 @@
           <a:p>
             <a:fld id="{D4B24536-994D-4021-A283-9F449C0DB509}" type="datetimeFigureOut">
               <a:rPr lang="en-US" dirty="0"/>
-              <a:t>06/25/2018</a:t>
             </a:fld>
             <a:endParaRPr lang="en-US" dirty="0"/>
           </a:p>
@@ -3420,7 +3407,6 @@
           <a:p>
             <a:fld id="{6D22F896-40B5-4ADD-8801-0D06FADFA095}" type="slidenum">
               <a:rPr lang="en-US" dirty="0"/>
-              <a:t>‹#›</a:t>
             </a:fld>
             <a:endParaRPr lang="en-US" dirty="0"/>
           </a:p>
@@ -3686,6 +3672,7 @@
               <a:rPr lang="en-US"/>
               <a:t>Edit Master text styles</a:t>
             </a:r>
+            <a:endParaRPr lang="en-US"/>
           </a:p>
         </p:txBody>
       </p:sp>
@@ -3832,6 +3819,7 @@
               <a:rPr lang="en-US"/>
               <a:t>Edit Master text styles</a:t>
             </a:r>
+            <a:endParaRPr lang="en-US"/>
           </a:p>
         </p:txBody>
       </p:sp>
@@ -3903,6 +3891,7 @@
               <a:rPr lang="en-US"/>
               <a:t>Edit Master text styles</a:t>
             </a:r>
+            <a:endParaRPr lang="en-US"/>
           </a:p>
         </p:txBody>
       </p:sp>
@@ -4049,6 +4038,7 @@
               <a:rPr lang="en-US"/>
               <a:t>Edit Master text styles</a:t>
             </a:r>
+            <a:endParaRPr lang="en-US"/>
           </a:p>
         </p:txBody>
       </p:sp>
@@ -4120,6 +4110,7 @@
               <a:rPr lang="en-US"/>
               <a:t>Edit Master text styles</a:t>
             </a:r>
+            <a:endParaRPr lang="en-US"/>
           </a:p>
         </p:txBody>
       </p:sp>
@@ -4266,6 +4257,7 @@
               <a:rPr lang="en-US"/>
               <a:t>Edit Master text styles</a:t>
             </a:r>
+            <a:endParaRPr lang="en-US"/>
           </a:p>
         </p:txBody>
       </p:sp>
@@ -4286,7 +4278,6 @@
           <a:p>
             <a:fld id="{3CBBBB78-C96F-47B7-AB17-D852CA960AC9}" type="datetimeFigureOut">
               <a:rPr lang="en-US" dirty="0"/>
-              <a:t>06/25/2018</a:t>
             </a:fld>
             <a:endParaRPr lang="en-US" dirty="0"/>
           </a:p>
@@ -4328,7 +4319,6 @@
           <a:p>
             <a:fld id="{6D22F896-40B5-4ADD-8801-0D06FADFA095}" type="slidenum">
               <a:rPr lang="en-US" dirty="0"/>
-              <a:t>‹#›</a:t>
             </a:fld>
             <a:endParaRPr lang="en-US" dirty="0"/>
           </a:p>
@@ -4545,6 +4535,7 @@
               <a:rPr lang="en-US"/>
               <a:t>Edit Master text styles</a:t>
             </a:r>
+            <a:endParaRPr lang="en-US"/>
           </a:p>
           <a:p>
             <a:pPr lvl="1"/>
@@ -4552,6 +4543,7 @@
               <a:rPr lang="en-US"/>
               <a:t>Second level</a:t>
             </a:r>
+            <a:endParaRPr lang="en-US"/>
           </a:p>
           <a:p>
             <a:pPr lvl="2"/>
@@ -4559,6 +4551,7 @@
               <a:rPr lang="en-US"/>
               <a:t>Third level</a:t>
             </a:r>
+            <a:endParaRPr lang="en-US"/>
           </a:p>
           <a:p>
             <a:pPr lvl="3"/>
@@ -4566,6 +4559,7 @@
               <a:rPr lang="en-US"/>
               <a:t>Fourth level</a:t>
             </a:r>
+            <a:endParaRPr lang="en-US"/>
           </a:p>
           <a:p>
             <a:pPr lvl="4"/>
@@ -4594,7 +4588,6 @@
           <a:p>
             <a:fld id="{1FA3F48C-C7C6-4055-9F49-3777875E72AE}" type="datetimeFigureOut">
               <a:rPr lang="en-US" dirty="0"/>
-              <a:t>06/25/2018</a:t>
             </a:fld>
             <a:endParaRPr lang="en-US" dirty="0"/>
           </a:p>
@@ -4636,7 +4629,6 @@
           <a:p>
             <a:fld id="{6D22F896-40B5-4ADD-8801-0D06FADFA095}" type="slidenum">
               <a:rPr lang="en-US" dirty="0"/>
-              <a:t>‹#›</a:t>
             </a:fld>
             <a:endParaRPr lang="en-US" dirty="0"/>
           </a:p>
@@ -4799,6 +4791,7 @@
               <a:rPr lang="en-US"/>
               <a:t>Edit Master text styles</a:t>
             </a:r>
+            <a:endParaRPr lang="en-US"/>
           </a:p>
           <a:p>
             <a:pPr lvl="1"/>
@@ -4806,6 +4799,7 @@
               <a:rPr lang="en-US"/>
               <a:t>Second level</a:t>
             </a:r>
+            <a:endParaRPr lang="en-US"/>
           </a:p>
           <a:p>
             <a:pPr lvl="2"/>
@@ -4813,6 +4807,7 @@
               <a:rPr lang="en-US"/>
               <a:t>Third level</a:t>
             </a:r>
+            <a:endParaRPr lang="en-US"/>
           </a:p>
           <a:p>
             <a:pPr lvl="3"/>
@@ -4820,6 +4815,7 @@
               <a:rPr lang="en-US"/>
               <a:t>Fourth level</a:t>
             </a:r>
+            <a:endParaRPr lang="en-US"/>
           </a:p>
           <a:p>
             <a:pPr lvl="4"/>
@@ -4853,7 +4849,6 @@
           <a:p>
             <a:fld id="{6178E61D-D431-422C-9764-11DAFE33AB63}" type="datetimeFigureOut">
               <a:rPr lang="en-US" dirty="0"/>
-              <a:t>06/25/2018</a:t>
             </a:fld>
             <a:endParaRPr lang="en-US" dirty="0"/>
           </a:p>
@@ -4909,7 +4904,6 @@
           <a:p>
             <a:fld id="{6D22F896-40B5-4ADD-8801-0D06FADFA095}" type="slidenum">
               <a:rPr lang="en-US" dirty="0"/>
-              <a:t>‹#›</a:t>
             </a:fld>
             <a:endParaRPr lang="en-US" dirty="0"/>
           </a:p>
@@ -5122,6 +5116,7 @@
               <a:rPr lang="en-US"/>
               <a:t>Edit Master text styles</a:t>
             </a:r>
+            <a:endParaRPr lang="en-US"/>
           </a:p>
           <a:p>
             <a:pPr lvl="1"/>
@@ -5129,6 +5124,7 @@
               <a:rPr lang="en-US"/>
               <a:t>Second level</a:t>
             </a:r>
+            <a:endParaRPr lang="en-US"/>
           </a:p>
           <a:p>
             <a:pPr lvl="2"/>
@@ -5136,6 +5132,7 @@
               <a:rPr lang="en-US"/>
               <a:t>Third level</a:t>
             </a:r>
+            <a:endParaRPr lang="en-US"/>
           </a:p>
           <a:p>
             <a:pPr lvl="3"/>
@@ -5143,6 +5140,7 @@
               <a:rPr lang="en-US"/>
               <a:t>Fourth level</a:t>
             </a:r>
+            <a:endParaRPr lang="en-US"/>
           </a:p>
           <a:p>
             <a:pPr lvl="4"/>
@@ -5171,7 +5169,6 @@
           <a:p>
             <a:fld id="{12DE42F4-6EEF-4EF7-8ED4-2208F0F89A08}" type="datetimeFigureOut">
               <a:rPr lang="en-US" dirty="0"/>
-              <a:t>06/25/2018</a:t>
             </a:fld>
             <a:endParaRPr lang="en-US" dirty="0"/>
           </a:p>
@@ -5213,7 +5210,6 @@
           <a:p>
             <a:fld id="{6D22F896-40B5-4ADD-8801-0D06FADFA095}" type="slidenum">
               <a:rPr lang="en-US" dirty="0"/>
-              <a:t>‹#›</a:t>
             </a:fld>
             <a:endParaRPr lang="en-US" dirty="0"/>
           </a:p>
@@ -5535,6 +5531,7 @@
               <a:rPr lang="en-US"/>
               <a:t>Edit Master text styles</a:t>
             </a:r>
+            <a:endParaRPr lang="en-US"/>
           </a:p>
         </p:txBody>
       </p:sp>
@@ -5555,7 +5552,6 @@
           <a:p>
             <a:fld id="{30578ACC-22D6-47C1-A373-4FD133E34F3C}" type="datetimeFigureOut">
               <a:rPr lang="en-US" dirty="0"/>
-              <a:t>06/25/2018</a:t>
             </a:fld>
             <a:endParaRPr lang="en-US" dirty="0"/>
           </a:p>
@@ -5602,7 +5598,6 @@
           <a:p>
             <a:fld id="{6D22F896-40B5-4ADD-8801-0D06FADFA095}" type="slidenum">
               <a:rPr lang="en-US" dirty="0"/>
-              <a:t>‹#›</a:t>
             </a:fld>
             <a:endParaRPr lang="en-US" dirty="0"/>
           </a:p>
@@ -5820,6 +5815,7 @@
               <a:rPr lang="en-US"/>
               <a:t>Edit Master text styles</a:t>
             </a:r>
+            <a:endParaRPr lang="en-US"/>
           </a:p>
           <a:p>
             <a:pPr lvl="1"/>
@@ -5827,6 +5823,7 @@
               <a:rPr lang="en-US"/>
               <a:t>Second level</a:t>
             </a:r>
+            <a:endParaRPr lang="en-US"/>
           </a:p>
           <a:p>
             <a:pPr lvl="2"/>
@@ -5834,6 +5831,7 @@
               <a:rPr lang="en-US"/>
               <a:t>Third level</a:t>
             </a:r>
+            <a:endParaRPr lang="en-US"/>
           </a:p>
           <a:p>
             <a:pPr lvl="3"/>
@@ -5841,6 +5839,7 @@
               <a:rPr lang="en-US"/>
               <a:t>Fourth level</a:t>
             </a:r>
+            <a:endParaRPr lang="en-US"/>
           </a:p>
           <a:p>
             <a:pPr lvl="4"/>
@@ -5877,6 +5876,7 @@
               <a:rPr lang="en-US"/>
               <a:t>Edit Master text styles</a:t>
             </a:r>
+            <a:endParaRPr lang="en-US"/>
           </a:p>
           <a:p>
             <a:pPr lvl="1"/>
@@ -5884,6 +5884,7 @@
               <a:rPr lang="en-US"/>
               <a:t>Second level</a:t>
             </a:r>
+            <a:endParaRPr lang="en-US"/>
           </a:p>
           <a:p>
             <a:pPr lvl="2"/>
@@ -5891,6 +5892,7 @@
               <a:rPr lang="en-US"/>
               <a:t>Third level</a:t>
             </a:r>
+            <a:endParaRPr lang="en-US"/>
           </a:p>
           <a:p>
             <a:pPr lvl="3"/>
@@ -5898,6 +5900,7 @@
               <a:rPr lang="en-US"/>
               <a:t>Fourth level</a:t>
             </a:r>
+            <a:endParaRPr lang="en-US"/>
           </a:p>
           <a:p>
             <a:pPr lvl="4"/>
@@ -5926,7 +5929,6 @@
           <a:p>
             <a:fld id="{4E5A6C69-6797-4E8A-BF37-F2C3751466E9}" type="datetimeFigureOut">
               <a:rPr lang="en-US" dirty="0"/>
-              <a:t>06/25/2018</a:t>
             </a:fld>
             <a:endParaRPr lang="en-US" dirty="0"/>
           </a:p>
@@ -5968,7 +5970,6 @@
           <a:p>
             <a:fld id="{6D22F896-40B5-4ADD-8801-0D06FADFA095}" type="slidenum">
               <a:rPr lang="en-US" dirty="0"/>
-              <a:t>‹#›</a:t>
             </a:fld>
             <a:endParaRPr lang="en-US" dirty="0"/>
           </a:p>
@@ -6228,6 +6229,7 @@
               <a:rPr lang="en-US"/>
               <a:t>Edit Master text styles</a:t>
             </a:r>
+            <a:endParaRPr lang="en-US"/>
           </a:p>
         </p:txBody>
       </p:sp>
@@ -6256,6 +6258,7 @@
               <a:rPr lang="en-US"/>
               <a:t>Edit Master text styles</a:t>
             </a:r>
+            <a:endParaRPr lang="en-US"/>
           </a:p>
           <a:p>
             <a:pPr lvl="1"/>
@@ -6263,6 +6266,7 @@
               <a:rPr lang="en-US"/>
               <a:t>Second level</a:t>
             </a:r>
+            <a:endParaRPr lang="en-US"/>
           </a:p>
           <a:p>
             <a:pPr lvl="2"/>
@@ -6270,6 +6274,7 @@
               <a:rPr lang="en-US"/>
               <a:t>Third level</a:t>
             </a:r>
+            <a:endParaRPr lang="en-US"/>
           </a:p>
           <a:p>
             <a:pPr lvl="3"/>
@@ -6277,6 +6282,7 @@
               <a:rPr lang="en-US"/>
               <a:t>Fourth level</a:t>
             </a:r>
+            <a:endParaRPr lang="en-US"/>
           </a:p>
           <a:p>
             <a:pPr lvl="4"/>
@@ -6350,6 +6356,7 @@
               <a:rPr lang="en-US"/>
               <a:t>Edit Master text styles</a:t>
             </a:r>
+            <a:endParaRPr lang="en-US"/>
           </a:p>
         </p:txBody>
       </p:sp>
@@ -6378,6 +6385,7 @@
               <a:rPr lang="en-US"/>
               <a:t>Edit Master text styles</a:t>
             </a:r>
+            <a:endParaRPr lang="en-US"/>
           </a:p>
           <a:p>
             <a:pPr lvl="1"/>
@@ -6385,6 +6393,7 @@
               <a:rPr lang="en-US"/>
               <a:t>Second level</a:t>
             </a:r>
+            <a:endParaRPr lang="en-US"/>
           </a:p>
           <a:p>
             <a:pPr lvl="2"/>
@@ -6392,6 +6401,7 @@
               <a:rPr lang="en-US"/>
               <a:t>Third level</a:t>
             </a:r>
+            <a:endParaRPr lang="en-US"/>
           </a:p>
           <a:p>
             <a:pPr lvl="3"/>
@@ -6399,6 +6409,7 @@
               <a:rPr lang="en-US"/>
               <a:t>Fourth level</a:t>
             </a:r>
+            <a:endParaRPr lang="en-US"/>
           </a:p>
           <a:p>
             <a:pPr lvl="4"/>
@@ -6427,7 +6438,6 @@
           <a:p>
             <a:fld id="{D82014A1-A632-4878-A0D3-F52BA7563730}" type="datetimeFigureOut">
               <a:rPr lang="en-US" dirty="0"/>
-              <a:t>06/25/2018</a:t>
             </a:fld>
             <a:endParaRPr lang="en-US" dirty="0"/>
           </a:p>
@@ -6469,7 +6479,6 @@
           <a:p>
             <a:fld id="{6D22F896-40B5-4ADD-8801-0D06FADFA095}" type="slidenum">
               <a:rPr lang="en-US" dirty="0"/>
-              <a:t>‹#›</a:t>
             </a:fld>
             <a:endParaRPr lang="en-US" dirty="0"/>
           </a:p>
@@ -6679,7 +6688,6 @@
           <a:p>
             <a:fld id="{CE99F462-093F-4566-844B-4C71F2739DA5}" type="datetimeFigureOut">
               <a:rPr lang="en-US" dirty="0"/>
-              <a:t>06/25/2018</a:t>
             </a:fld>
             <a:endParaRPr lang="en-US" dirty="0"/>
           </a:p>
@@ -6721,7 +6729,6 @@
           <a:p>
             <a:fld id="{6D22F896-40B5-4ADD-8801-0D06FADFA095}" type="slidenum">
               <a:rPr lang="en-US" dirty="0"/>
-              <a:t>‹#›</a:t>
             </a:fld>
             <a:endParaRPr lang="en-US" dirty="0"/>
           </a:p>
@@ -6837,7 +6844,6 @@
           <a:p>
             <a:fld id="{3D24A7AC-904D-4781-85BA-7D10C17ED021}" type="datetimeFigureOut">
               <a:rPr lang="en-US" dirty="0"/>
-              <a:t>06/25/2018</a:t>
             </a:fld>
             <a:endParaRPr lang="en-US" dirty="0"/>
           </a:p>
@@ -6879,7 +6885,6 @@
           <a:p>
             <a:fld id="{6D22F896-40B5-4ADD-8801-0D06FADFA095}" type="slidenum">
               <a:rPr lang="en-US" dirty="0"/>
-              <a:t>‹#›</a:t>
             </a:fld>
             <a:endParaRPr lang="en-US" dirty="0"/>
           </a:p>
@@ -7108,6 +7113,7 @@
               <a:rPr lang="en-US"/>
               <a:t>Edit Master text styles</a:t>
             </a:r>
+            <a:endParaRPr lang="en-US"/>
           </a:p>
           <a:p>
             <a:pPr lvl="1"/>
@@ -7115,6 +7121,7 @@
               <a:rPr lang="en-US"/>
               <a:t>Second level</a:t>
             </a:r>
+            <a:endParaRPr lang="en-US"/>
           </a:p>
           <a:p>
             <a:pPr lvl="2"/>
@@ -7122,6 +7129,7 @@
               <a:rPr lang="en-US"/>
               <a:t>Third level</a:t>
             </a:r>
+            <a:endParaRPr lang="en-US"/>
           </a:p>
           <a:p>
             <a:pPr lvl="3"/>
@@ -7129,6 +7137,7 @@
               <a:rPr lang="en-US"/>
               <a:t>Fourth level</a:t>
             </a:r>
+            <a:endParaRPr lang="en-US"/>
           </a:p>
           <a:p>
             <a:pPr lvl="4"/>
@@ -7202,6 +7211,7 @@
               <a:rPr lang="en-US"/>
               <a:t>Edit Master text styles</a:t>
             </a:r>
+            <a:endParaRPr lang="en-US"/>
           </a:p>
         </p:txBody>
       </p:sp>
@@ -7222,7 +7232,6 @@
           <a:p>
             <a:fld id="{E331444B-B92B-4E27-8C94-BB93EAF5CB18}" type="datetimeFigureOut">
               <a:rPr lang="en-US" dirty="0"/>
-              <a:t>06/25/2018</a:t>
             </a:fld>
             <a:endParaRPr lang="en-US" dirty="0"/>
           </a:p>
@@ -7264,7 +7273,6 @@
           <a:p>
             <a:fld id="{6D22F896-40B5-4ADD-8801-0D06FADFA095}" type="slidenum">
               <a:rPr lang="en-US" dirty="0"/>
-              <a:t>‹#›</a:t>
             </a:fld>
             <a:endParaRPr lang="en-US" dirty="0"/>
           </a:p>
@@ -7606,6 +7614,7 @@
               <a:rPr lang="en-US"/>
               <a:t>Edit Master text styles</a:t>
             </a:r>
+            <a:endParaRPr lang="en-US"/>
           </a:p>
         </p:txBody>
       </p:sp>
@@ -7626,7 +7635,6 @@
           <a:p>
             <a:fld id="{363EFA5E-FA76-400D-B3DC-F0BA90E6D107}" type="datetimeFigureOut">
               <a:rPr lang="en-US" dirty="0"/>
-              <a:t>06/25/2018</a:t>
             </a:fld>
             <a:endParaRPr lang="en-US" dirty="0"/>
           </a:p>
@@ -7668,7 +7676,6 @@
           <a:p>
             <a:fld id="{6D22F896-40B5-4ADD-8801-0D06FADFA095}" type="slidenum">
               <a:rPr lang="en-US" dirty="0"/>
-              <a:t>‹#›</a:t>
             </a:fld>
             <a:endParaRPr lang="en-US" dirty="0"/>
           </a:p>
@@ -7713,7 +7720,7 @@
           <p:nvPr/>
         </p:nvPicPr>
         <p:blipFill>
-          <a:blip r:embed="rId19">
+          <a:blip r:embed="rId18">
             <a:alphaModFix amt="10000"/>
             <a:extLst>
               <a:ext uri="{28A0092B-C50C-407E-A947-70E740481C1C}">
@@ -7798,6 +7805,7 @@
               <a:rPr lang="en-US"/>
               <a:t>Edit Master text styles</a:t>
             </a:r>
+            <a:endParaRPr lang="en-US"/>
           </a:p>
           <a:p>
             <a:pPr lvl="1"/>
@@ -7805,6 +7813,7 @@
               <a:rPr lang="en-US"/>
               <a:t>Second level</a:t>
             </a:r>
+            <a:endParaRPr lang="en-US"/>
           </a:p>
           <a:p>
             <a:pPr lvl="2"/>
@@ -7812,6 +7821,7 @@
               <a:rPr lang="en-US"/>
               <a:t>Third level</a:t>
             </a:r>
+            <a:endParaRPr lang="en-US"/>
           </a:p>
           <a:p>
             <a:pPr lvl="3"/>
@@ -7819,6 +7829,7 @@
               <a:rPr lang="en-US"/>
               <a:t>Fourth level</a:t>
             </a:r>
+            <a:endParaRPr lang="en-US"/>
           </a:p>
           <a:p>
             <a:pPr lvl="4"/>
@@ -7865,7 +7876,6 @@
           <a:p>
             <a:fld id="{9D6E9DEC-419B-4CC5-A080-3B06BD5A8291}" type="datetimeFigureOut">
               <a:rPr lang="en-US" dirty="0"/>
-              <a:t>06/25/2018</a:t>
             </a:fld>
             <a:endParaRPr lang="en-US" dirty="0"/>
           </a:p>
@@ -7943,7 +7953,6 @@
           <a:p>
             <a:fld id="{6D22F896-40B5-4ADD-8801-0D06FADFA095}" type="slidenum">
               <a:rPr lang="en-US" dirty="0"/>
-              <a:t>‹#›</a:t>
             </a:fld>
             <a:endParaRPr lang="en-US" dirty="0"/>
           </a:p>
@@ -8319,7 +8328,7 @@
           <p:nvPr/>
         </p:nvPicPr>
         <p:blipFill>
-          <a:blip r:embed="rId3"/>
+          <a:blip r:embed="rId1"/>
           <a:stretch>
             <a:fillRect/>
           </a:stretch>
@@ -8378,6 +8387,7 @@
               <a:rPr lang="en-US" dirty="0"/>
               <a:t>Conclusion</a:t>
             </a:r>
+            <a:endParaRPr lang="en-US" dirty="0"/>
           </a:p>
         </p:txBody>
       </p:sp>
@@ -8407,18 +8417,21 @@
               <a:rPr lang="en-US"/>
               <a:t>Our FrankenBeer has distinct qualities that make it appealing to many demographics of beer drinkers. Initial testing has been done in the Seattle, Washington and Boulder, Colorado markets with much success.</a:t>
             </a:r>
+            <a:endParaRPr lang="en-US"/>
           </a:p>
           <a:p>
             <a:r>
               <a:rPr lang="en-US"/>
               <a:t>San Antonio, Texas; Salt Lake City, Utah; and Boston, Massachusetts all have a different craft beer presence, but none like our FrankenBeer. </a:t>
             </a:r>
+            <a:endParaRPr lang="en-US"/>
           </a:p>
           <a:p>
             <a:r>
               <a:rPr lang="en-US"/>
               <a:t>With its relatively high ABV of 12% and its reltively mild IBU of 33, we believe our FrankenBeer will leave its mark in these new markets.</a:t>
             </a:r>
+            <a:endParaRPr lang="en-US"/>
           </a:p>
         </p:txBody>
       </p:sp>
@@ -8431,7 +8444,7 @@
           <p:nvPr/>
         </p:nvPicPr>
         <p:blipFill>
-          <a:blip r:embed="rId2"/>
+          <a:blip r:embed="rId1"/>
           <a:stretch>
             <a:fillRect/>
           </a:stretch>
@@ -8605,7 +8618,7 @@
           <p:nvPr/>
         </p:nvPicPr>
         <p:blipFill>
-          <a:blip r:embed="rId3"/>
+          <a:blip r:embed="rId2"/>
           <a:stretch>
             <a:fillRect/>
           </a:stretch>
@@ -8664,6 +8677,7 @@
               <a:rPr lang="en-US" dirty="0"/>
               <a:t>Agenda</a:t>
             </a:r>
+            <a:endParaRPr lang="en-US" dirty="0"/>
           </a:p>
         </p:txBody>
       </p:sp>
@@ -8693,12 +8707,14 @@
               <a:rPr lang="en-US" dirty="0"/>
               <a:t>Introduction</a:t>
             </a:r>
+            <a:endParaRPr lang="en-US" dirty="0"/>
           </a:p>
           <a:p>
             <a:r>
               <a:rPr lang="en-US" dirty="0"/>
               <a:t>Market Backdrop</a:t>
             </a:r>
+            <a:endParaRPr lang="en-US" dirty="0"/>
           </a:p>
           <a:p>
             <a:r>
@@ -8716,24 +8732,28 @@
               <a:rPr lang="en-US" dirty="0"/>
               <a:t>Where do we go from here? </a:t>
             </a:r>
+            <a:endParaRPr lang="en-US" dirty="0"/>
           </a:p>
           <a:p>
             <a:r>
               <a:rPr lang="en-US" dirty="0"/>
               <a:t>Initial Market Research</a:t>
             </a:r>
+            <a:endParaRPr lang="en-US" dirty="0"/>
           </a:p>
           <a:p>
             <a:r>
               <a:rPr lang="en-US" dirty="0"/>
               <a:t>Expansion Market Proposal</a:t>
             </a:r>
+            <a:endParaRPr lang="en-US" dirty="0"/>
           </a:p>
           <a:p>
             <a:r>
               <a:rPr lang="en-US" dirty="0"/>
               <a:t>Conclusion</a:t>
             </a:r>
+            <a:endParaRPr lang="en-US" dirty="0"/>
           </a:p>
           <a:p>
             <a:endParaRPr lang="en-US" dirty="0"/>
@@ -8784,6 +8804,7 @@
               <a:rPr lang="en-US" dirty="0"/>
               <a:t>Introduction</a:t>
             </a:r>
+            <a:endParaRPr lang="en-US" dirty="0"/>
           </a:p>
         </p:txBody>
       </p:sp>
@@ -8806,6 +8827,7 @@
               <a:rPr lang="en-US" sz="2200" dirty="0"/>
               <a:t>The Team</a:t>
             </a:r>
+            <a:endParaRPr lang="en-US" sz="2200" dirty="0"/>
           </a:p>
           <a:p>
             <a:pPr lvl="1"/>
@@ -8813,6 +8835,7 @@
               <a:rPr lang="en-US" sz="2200" dirty="0"/>
               <a:t>Allen Crane</a:t>
             </a:r>
+            <a:endParaRPr lang="en-US" sz="2200" dirty="0"/>
           </a:p>
           <a:p>
             <a:pPr lvl="1"/>
@@ -8820,6 +8843,7 @@
               <a:rPr lang="en-US" sz="2200" dirty="0"/>
               <a:t>Nick Cellini</a:t>
             </a:r>
+            <a:endParaRPr lang="en-US" sz="2200" dirty="0"/>
           </a:p>
           <a:p>
             <a:pPr lvl="1"/>
@@ -8827,6 +8851,7 @@
               <a:rPr lang="en-US" sz="2200" dirty="0"/>
               <a:t>Chris Graves</a:t>
             </a:r>
+            <a:endParaRPr lang="en-US" sz="2200" dirty="0"/>
           </a:p>
           <a:p>
             <a:pPr lvl="1"/>
@@ -8834,6 +8859,7 @@
               <a:rPr lang="en-US" sz="2200" dirty="0"/>
               <a:t>Heber Nielsen</a:t>
             </a:r>
+            <a:endParaRPr lang="en-US" sz="2200" dirty="0"/>
           </a:p>
           <a:p>
             <a:pPr lvl="1"/>
@@ -8841,12 +8867,14 @@
               <a:rPr lang="en-US" sz="2200" dirty="0"/>
               <a:t>Quincy Roundtree</a:t>
             </a:r>
+            <a:endParaRPr lang="en-US" sz="2200" dirty="0"/>
           </a:p>
           <a:p>
             <a:r>
               <a:rPr lang="en-US" sz="2200" dirty="0"/>
               <a:t>The Purpose</a:t>
             </a:r>
+            <a:endParaRPr lang="en-US" sz="2200" dirty="0"/>
           </a:p>
           <a:p>
             <a:pPr lvl="1"/>
@@ -8926,6 +8954,7 @@
               <a:rPr lang="en-US" dirty="0"/>
               <a:t>Market Backdrop</a:t>
             </a:r>
+            <a:endParaRPr lang="en-US" dirty="0"/>
           </a:p>
         </p:txBody>
       </p:sp>
@@ -8957,6 +8986,9 @@
               </a:rPr>
               <a:t>The US Microbrew landscape:</a:t>
             </a:r>
+            <a:endParaRPr lang="en-US" sz="2200" dirty="0">
+              <a:sym typeface="+mn-ea"/>
+            </a:endParaRPr>
           </a:p>
           <a:p>
             <a:pPr lvl="1"/>
@@ -8966,6 +8998,9 @@
               </a:rPr>
               <a:t>Crowded</a:t>
             </a:r>
+            <a:endParaRPr lang="en-US" sz="2200" dirty="0">
+              <a:sym typeface="+mn-ea"/>
+            </a:endParaRPr>
           </a:p>
           <a:p>
             <a:pPr lvl="1"/>
@@ -8975,6 +9010,9 @@
               </a:rPr>
               <a:t>Expanding</a:t>
             </a:r>
+            <a:endParaRPr lang="en-US" sz="2200" dirty="0">
+              <a:sym typeface="+mn-ea"/>
+            </a:endParaRPr>
           </a:p>
           <a:p>
             <a:pPr lvl="1"/>
@@ -8993,6 +9031,9 @@
               </a:rPr>
               <a:t>The distribution of Breweries:</a:t>
             </a:r>
+            <a:endParaRPr lang="en-US" sz="2200" dirty="0">
+              <a:sym typeface="+mn-ea"/>
+            </a:endParaRPr>
           </a:p>
           <a:p>
             <a:pPr lvl="1"/>
@@ -9002,6 +9043,9 @@
               </a:rPr>
               <a:t>Highly variable by state</a:t>
             </a:r>
+            <a:endParaRPr lang="en-US" sz="2200" dirty="0">
+              <a:sym typeface="+mn-ea"/>
+            </a:endParaRPr>
           </a:p>
           <a:p>
             <a:pPr lvl="1"/>
@@ -9011,6 +9055,9 @@
               </a:rPr>
               <a:t>Saturation in Colorado, California, and Michigan</a:t>
             </a:r>
+            <a:endParaRPr lang="en-US" sz="2200" dirty="0">
+              <a:sym typeface="+mn-ea"/>
+            </a:endParaRPr>
           </a:p>
           <a:p>
             <a:pPr lvl="1"/>
@@ -9031,6 +9078,9 @@
               </a:rPr>
               <a:t>Median alcohol content (ABV) clustered (~ 5% - 6%)</a:t>
             </a:r>
+            <a:endParaRPr lang="en-US" sz="2200" dirty="0">
+              <a:sym typeface="+mn-ea"/>
+            </a:endParaRPr>
           </a:p>
           <a:p>
             <a:r>
@@ -9052,7 +9102,7 @@
           <p:nvPr/>
         </p:nvPicPr>
         <p:blipFill>
-          <a:blip r:embed="rId3"/>
+          <a:blip r:embed="rId1"/>
           <a:stretch>
             <a:fillRect/>
           </a:stretch>
@@ -9069,20 +9119,14 @@
       </p:pic>
       <p:pic>
         <p:nvPicPr>
-          <p:cNvPr id="6" name="Picture 5">
-            <a:extLst>
-              <a:ext uri="{FF2B5EF4-FFF2-40B4-BE49-F238E27FC236}">
-                <a16:creationId xmlns:a16="http://schemas.microsoft.com/office/drawing/2014/main" id="{A886447B-E543-5649-8613-F354C16EF1BD}"/>
-              </a:ext>
-            </a:extLst>
-          </p:cNvPr>
+          <p:cNvPr id="6" name="Picture 5"/>
           <p:cNvPicPr>
             <a:picLocks noChangeAspect="1"/>
           </p:cNvPicPr>
           <p:nvPr/>
         </p:nvPicPr>
         <p:blipFill>
-          <a:blip r:embed="rId4"/>
+          <a:blip r:embed="rId2"/>
           <a:stretch>
             <a:fillRect/>
           </a:stretch>
@@ -9099,20 +9143,14 @@
       </p:pic>
       <p:pic>
         <p:nvPicPr>
-          <p:cNvPr id="8" name="Picture 7">
-            <a:extLst>
-              <a:ext uri="{FF2B5EF4-FFF2-40B4-BE49-F238E27FC236}">
-                <a16:creationId xmlns:a16="http://schemas.microsoft.com/office/drawing/2014/main" id="{069C4DF6-A4B0-404A-ABA4-A9CC7F8306E4}"/>
-              </a:ext>
-            </a:extLst>
-          </p:cNvPr>
+          <p:cNvPr id="8" name="Picture 7"/>
           <p:cNvPicPr>
             <a:picLocks noChangeAspect="1"/>
           </p:cNvPicPr>
           <p:nvPr/>
         </p:nvPicPr>
         <p:blipFill>
-          <a:blip r:embed="rId5"/>
+          <a:blip r:embed="rId3"/>
           <a:stretch>
             <a:fillRect/>
           </a:stretch>
@@ -9179,6 +9217,7 @@
               <a:rPr lang="en-US" dirty="0"/>
               <a:t> !</a:t>
             </a:r>
+            <a:endParaRPr lang="en-US" dirty="0"/>
           </a:p>
         </p:txBody>
       </p:sp>
@@ -9208,6 +9247,7 @@
               <a:rPr lang="en-US" sz="2200" dirty="0"/>
               <a:t>Created to meet demand for:</a:t>
             </a:r>
+            <a:endParaRPr lang="en-US" sz="2200" dirty="0"/>
           </a:p>
           <a:p>
             <a:pPr lvl="1"/>
@@ -9215,6 +9255,7 @@
               <a:rPr lang="en-US" sz="2200" dirty="0"/>
               <a:t> The crisp taste of high alcohol content</a:t>
             </a:r>
+            <a:endParaRPr lang="en-US" sz="2200" dirty="0"/>
           </a:p>
           <a:p>
             <a:pPr lvl="1"/>
@@ -9222,12 +9263,14 @@
               <a:rPr lang="en-US" sz="2200" dirty="0"/>
               <a:t> Without the accompanying bitterness. </a:t>
             </a:r>
+            <a:endParaRPr lang="en-US" sz="2200" dirty="0"/>
           </a:p>
           <a:p>
             <a:r>
               <a:rPr lang="en-US" sz="2200" dirty="0"/>
               <a:t>Novel brewing technique</a:t>
             </a:r>
+            <a:endParaRPr lang="en-US" sz="2200" dirty="0"/>
           </a:p>
           <a:p>
             <a:pPr lvl="1"/>
@@ -9235,6 +9278,7 @@
               <a:rPr lang="en-US" sz="2200" dirty="0"/>
               <a:t>Delivers 12% ABV</a:t>
             </a:r>
+            <a:endParaRPr lang="en-US" sz="2200" dirty="0"/>
           </a:p>
           <a:p>
             <a:pPr lvl="1"/>
@@ -9242,6 +9286,7 @@
               <a:rPr lang="en-US" sz="2200" dirty="0"/>
               <a:t>At only 33 IBU’s  </a:t>
             </a:r>
+            <a:endParaRPr lang="en-US" sz="2200" dirty="0"/>
           </a:p>
           <a:p>
             <a:r>
@@ -9264,12 +9309,14 @@
               <a:rPr lang="en-US" sz="2200" dirty="0"/>
               <a:t> process (Alcohol Bitterness Reduction &amp; Abatement)</a:t>
             </a:r>
+            <a:endParaRPr lang="en-US" sz="2200" dirty="0"/>
           </a:p>
           <a:p>
             <a:r>
               <a:rPr lang="en-US" sz="2200" dirty="0"/>
               <a:t>Performed well across multiple levels of ABV</a:t>
             </a:r>
+            <a:endParaRPr lang="en-US" sz="2200" dirty="0"/>
           </a:p>
           <a:p>
             <a:pPr lvl="1"/>
@@ -9277,6 +9324,7 @@
               <a:rPr lang="en-US" sz="2200" dirty="0"/>
               <a:t>Our dedicated team of full time tasters </a:t>
             </a:r>
+            <a:endParaRPr lang="en-US" sz="2200" dirty="0"/>
           </a:p>
           <a:p>
             <a:pPr lvl="1"/>
@@ -9284,25 +9332,20 @@
               <a:rPr lang="en-US" sz="2200" dirty="0"/>
               <a:t>AND initial test markets</a:t>
             </a:r>
+            <a:endParaRPr lang="en-US" sz="2200" dirty="0"/>
           </a:p>
         </p:txBody>
       </p:sp>
       <p:pic>
         <p:nvPicPr>
-          <p:cNvPr id="5" name="Picture 4">
-            <a:extLst>
-              <a:ext uri="{FF2B5EF4-FFF2-40B4-BE49-F238E27FC236}">
-                <a16:creationId xmlns:a16="http://schemas.microsoft.com/office/drawing/2014/main" id="{0C2158C5-EA90-0444-ACE2-C856EBB1F4EE}"/>
-              </a:ext>
-            </a:extLst>
-          </p:cNvPr>
+          <p:cNvPr id="5" name="Picture 4"/>
           <p:cNvPicPr>
             <a:picLocks noChangeAspect="1"/>
           </p:cNvPicPr>
           <p:nvPr/>
         </p:nvPicPr>
         <p:blipFill>
-          <a:blip r:embed="rId2"/>
+          <a:blip r:embed="rId1"/>
           <a:stretch>
             <a:fillRect/>
           </a:stretch>
@@ -9318,11 +9361,6 @@
         </p:spPr>
       </p:pic>
     </p:spTree>
-    <p:extLst>
-      <p:ext uri="{BB962C8B-B14F-4D97-AF65-F5344CB8AC3E}">
-        <p14:creationId xmlns:p14="http://schemas.microsoft.com/office/powerpoint/2010/main" val="1108247251"/>
-      </p:ext>
-    </p:extLst>
   </p:cSld>
   <p:clrMapOvr>
     <a:masterClrMapping/>
@@ -9366,6 +9404,7 @@
               <a:rPr lang="en-US" dirty="0"/>
               <a:t>Where do we go from here? </a:t>
             </a:r>
+            <a:endParaRPr lang="en-US" dirty="0"/>
           </a:p>
         </p:txBody>
       </p:sp>
@@ -9409,6 +9448,9 @@
               </a:rPr>
               <a:t>Distinct qualities</a:t>
             </a:r>
+            <a:endParaRPr lang="en-US" sz="2200" dirty="0">
+              <a:sym typeface="+mn-ea"/>
+            </a:endParaRPr>
           </a:p>
           <a:p>
             <a:pPr lvl="1"/>
@@ -9418,6 +9460,9 @@
               </a:rPr>
               <a:t>Appeals to customers who enjoy strong beers but dislike bitterness</a:t>
             </a:r>
+            <a:endParaRPr lang="en-US" sz="2200" dirty="0">
+              <a:sym typeface="+mn-ea"/>
+            </a:endParaRPr>
           </a:p>
           <a:p>
             <a:r>
@@ -9438,6 +9483,9 @@
               </a:rPr>
               <a:t>process:</a:t>
             </a:r>
+            <a:endParaRPr lang="en-US" sz="2200" dirty="0">
+              <a:sym typeface="+mn-ea"/>
+            </a:endParaRPr>
           </a:p>
           <a:p>
             <a:pPr lvl="1"/>
@@ -9447,6 +9495,9 @@
               </a:rPr>
               <a:t>Provides Franken Brewery a low-bitterness competitive advantage</a:t>
             </a:r>
+            <a:endParaRPr lang="en-US" sz="2200" dirty="0">
+              <a:sym typeface="+mn-ea"/>
+            </a:endParaRPr>
           </a:p>
           <a:p>
             <a:pPr lvl="1"/>
@@ -9456,6 +9507,9 @@
               </a:rPr>
               <a:t>Extending across all alcohol content levels</a:t>
             </a:r>
+            <a:endParaRPr lang="en-US" sz="2200" dirty="0">
+              <a:sym typeface="+mn-ea"/>
+            </a:endParaRPr>
           </a:p>
           <a:p>
             <a:r>
@@ -9470,6 +9524,7 @@
               <a:rPr lang="en-US" sz="2200" dirty="0"/>
               <a:t> distribution in three new states</a:t>
             </a:r>
+            <a:endParaRPr lang="en-US" sz="2200" dirty="0"/>
           </a:p>
           <a:p>
             <a:pPr lvl="1"/>
@@ -9477,6 +9532,7 @@
               <a:rPr lang="en-US" sz="2200" dirty="0"/>
               <a:t>Most effectively capitalize on this competitive advantage</a:t>
             </a:r>
+            <a:endParaRPr lang="en-US" sz="2200" dirty="0"/>
           </a:p>
         </p:txBody>
       </p:sp>
@@ -9524,6 +9580,7 @@
               <a:rPr lang="en-US" dirty="0"/>
               <a:t>Initial Market Research</a:t>
             </a:r>
+            <a:endParaRPr lang="en-US" dirty="0"/>
           </a:p>
         </p:txBody>
       </p:sp>
@@ -9555,6 +9612,9 @@
               </a:rPr>
               <a:t>First phase:</a:t>
             </a:r>
+            <a:endParaRPr lang="en-US" sz="2200" dirty="0">
+              <a:sym typeface="+mn-ea"/>
+            </a:endParaRPr>
           </a:p>
           <a:p>
             <a:pPr lvl="1"/>
@@ -9564,6 +9624,9 @@
               </a:rPr>
               <a:t>State-by-state analysis of all US microbreweries</a:t>
             </a:r>
+            <a:endParaRPr lang="en-US" sz="2200" dirty="0">
+              <a:sym typeface="+mn-ea"/>
+            </a:endParaRPr>
           </a:p>
           <a:p>
             <a:pPr lvl="1"/>
@@ -9607,6 +9670,9 @@
               </a:rPr>
               <a:t>Lee Hill Series Vol. 5 - Belgian Style Quadruple Ale </a:t>
             </a:r>
+            <a:endParaRPr lang="en-US" sz="2200" dirty="0">
+              <a:sym typeface="+mn-ea"/>
+            </a:endParaRPr>
           </a:p>
           <a:p>
             <a:pPr lvl="1"/>
@@ -9616,6 +9682,9 @@
               </a:rPr>
               <a:t>Brewed in Colorado</a:t>
             </a:r>
+            <a:endParaRPr lang="en-US" sz="2200" dirty="0">
+              <a:sym typeface="+mn-ea"/>
+            </a:endParaRPr>
           </a:p>
           <a:p>
             <a:r>
@@ -9624,6 +9693,9 @@
               </a:rPr>
               <a:t>The combined management in brewing of alcohol and bitterness</a:t>
             </a:r>
+            <a:endParaRPr lang="en-US" sz="2200" dirty="0">
+              <a:sym typeface="+mn-ea"/>
+            </a:endParaRPr>
           </a:p>
           <a:p>
             <a:pPr lvl="1"/>
@@ -9633,6 +9705,9 @@
               </a:rPr>
               <a:t>Successfully test marketed in Seattle, Washington and Boulder, Colorado </a:t>
             </a:r>
+            <a:endParaRPr lang="en-US" sz="2200" dirty="0">
+              <a:sym typeface="+mn-ea"/>
+            </a:endParaRPr>
           </a:p>
           <a:p>
             <a:endParaRPr lang="en-US" sz="1800" dirty="0">
@@ -9663,7 +9738,7 @@
           </p:nvPr>
         </p:nvPicPr>
         <p:blipFill>
-          <a:blip r:embed="rId2"/>
+          <a:blip r:embed="rId1"/>
           <a:stretch>
             <a:fillRect/>
           </a:stretch>
@@ -9687,7 +9762,7 @@
           <p:nvPr/>
         </p:nvPicPr>
         <p:blipFill>
-          <a:blip r:embed="rId3"/>
+          <a:blip r:embed="rId2"/>
           <a:stretch>
             <a:fillRect/>
           </a:stretch>
@@ -9792,6 +9867,7 @@
               <a:rPr lang="en-US" dirty="0"/>
               <a:t>Expansion Market Proposal</a:t>
             </a:r>
+            <a:endParaRPr lang="en-US" dirty="0"/>
           </a:p>
         </p:txBody>
       </p:sp>
@@ -9821,6 +9897,7 @@
               <a:rPr lang="en-US" sz="2300" dirty="0"/>
               <a:t>Target market identification:</a:t>
             </a:r>
+            <a:endParaRPr lang="en-US" sz="2300" dirty="0"/>
           </a:p>
           <a:p>
             <a:pPr lvl="1"/>
@@ -9840,6 +9917,7 @@
               <a:rPr lang="en-US" sz="2300" dirty="0"/>
               <a:t> </a:t>
             </a:r>
+            <a:endParaRPr lang="en-US" sz="2300" dirty="0"/>
           </a:p>
           <a:p>
             <a:pPr lvl="1"/>
@@ -9847,6 +9925,7 @@
               <a:rPr lang="en-US" sz="2300" dirty="0"/>
               <a:t>The product of the median ABV by state and the median IBU by state</a:t>
             </a:r>
+            <a:endParaRPr lang="en-US" sz="2300" dirty="0"/>
           </a:p>
           <a:p>
             <a:r>
@@ -9861,6 +9940,7 @@
               <a:rPr lang="en-US" dirty="0"/>
               <a:t> metric sizes the advantage of Franken’s new proprietary technique</a:t>
             </a:r>
+            <a:endParaRPr lang="en-US" dirty="0"/>
           </a:p>
           <a:p>
             <a:r>
@@ -9886,23 +9966,11 @@
       </p:sp>
       <p:graphicFrame>
         <p:nvGraphicFramePr>
-          <p:cNvPr id="8" name="Table 7">
-            <a:extLst>
-              <a:ext uri="{FF2B5EF4-FFF2-40B4-BE49-F238E27FC236}">
-                <a16:creationId xmlns:a16="http://schemas.microsoft.com/office/drawing/2014/main" id="{B8166CE9-B9C1-DF46-8BF9-C94F27ACB02A}"/>
-              </a:ext>
-            </a:extLst>
-          </p:cNvPr>
+          <p:cNvPr id="8" name="Table 7"/>
           <p:cNvGraphicFramePr>
             <a:graphicFrameLocks noGrp="1"/>
           </p:cNvGraphicFramePr>
-          <p:nvPr>
-            <p:extLst>
-              <p:ext uri="{D42A27DB-BD31-4B8C-83A1-F6EECF244321}">
-                <p14:modId xmlns:p14="http://schemas.microsoft.com/office/powerpoint/2010/main" val="1321123918"/>
-              </p:ext>
-            </p:extLst>
-          </p:nvPr>
+          <p:nvPr/>
         </p:nvGraphicFramePr>
         <p:xfrm>
           <a:off x="6032409" y="2302510"/>
@@ -9915,48 +9983,12 @@
                 <a:tableStyleId>{5C22544A-7EE6-4342-B048-85BDC9FD1C3A}</a:tableStyleId>
               </a:tblPr>
               <a:tblGrid>
-                <a:gridCol w="1697231">
-                  <a:extLst>
-                    <a:ext uri="{9D8B030D-6E8A-4147-A177-3AD203B41FA5}">
-                      <a16:colId xmlns:a16="http://schemas.microsoft.com/office/drawing/2014/main" val="1788224616"/>
-                    </a:ext>
-                  </a:extLst>
-                </a:gridCol>
-                <a:gridCol w="953871">
-                  <a:extLst>
-                    <a:ext uri="{9D8B030D-6E8A-4147-A177-3AD203B41FA5}">
-                      <a16:colId xmlns:a16="http://schemas.microsoft.com/office/drawing/2014/main" val="1603369086"/>
-                    </a:ext>
-                  </a:extLst>
-                </a:gridCol>
-                <a:gridCol w="937515">
-                  <a:extLst>
-                    <a:ext uri="{9D8B030D-6E8A-4147-A177-3AD203B41FA5}">
-                      <a16:colId xmlns:a16="http://schemas.microsoft.com/office/drawing/2014/main" val="2574628609"/>
-                    </a:ext>
-                  </a:extLst>
-                </a:gridCol>
-                <a:gridCol w="812344">
-                  <a:extLst>
-                    <a:ext uri="{9D8B030D-6E8A-4147-A177-3AD203B41FA5}">
-                      <a16:colId xmlns:a16="http://schemas.microsoft.com/office/drawing/2014/main" val="3066243513"/>
-                    </a:ext>
-                  </a:extLst>
-                </a:gridCol>
-                <a:gridCol w="795988">
-                  <a:extLst>
-                    <a:ext uri="{9D8B030D-6E8A-4147-A177-3AD203B41FA5}">
-                      <a16:colId xmlns:a16="http://schemas.microsoft.com/office/drawing/2014/main" val="116160893"/>
-                    </a:ext>
-                  </a:extLst>
-                </a:gridCol>
-                <a:gridCol w="710467">
-                  <a:extLst>
-                    <a:ext uri="{9D8B030D-6E8A-4147-A177-3AD203B41FA5}">
-                      <a16:colId xmlns:a16="http://schemas.microsoft.com/office/drawing/2014/main" val="1801927599"/>
-                    </a:ext>
-                  </a:extLst>
-                </a:gridCol>
+                <a:gridCol w="1697231"/>
+                <a:gridCol w="953871"/>
+                <a:gridCol w="937515"/>
+                <a:gridCol w="812344"/>
+                <a:gridCol w="795988"/>
+                <a:gridCol w="710467"/>
               </a:tblGrid>
               <a:tr h="724677">
                 <a:tc>
@@ -9999,7 +10031,7 @@
                           <a:srgbClr val="FFFFFF"/>
                         </a:solidFill>
                         <a:effectLst/>
-                        <a:latin typeface="Trebuchet MS" panose="020B0703020202090204" pitchFamily="34" charset="0"/>
+                        <a:latin typeface="Trebuchet MS" panose="020B0603020202020204" pitchFamily="34" charset="0"/>
                       </a:endParaRPr>
                     </a:p>
                   </a:txBody>
@@ -10022,7 +10054,7 @@
                           <a:srgbClr val="FFFFFF"/>
                         </a:solidFill>
                         <a:effectLst/>
-                        <a:latin typeface="Trebuchet MS" panose="020B0703020202090204" pitchFamily="34" charset="0"/>
+                        <a:latin typeface="Trebuchet MS" panose="020B0603020202020204" pitchFamily="34" charset="0"/>
                       </a:endParaRPr>
                     </a:p>
                   </a:txBody>
@@ -10045,7 +10077,7 @@
                           <a:srgbClr val="FFFFFF"/>
                         </a:solidFill>
                         <a:effectLst/>
-                        <a:latin typeface="Trebuchet MS" panose="020B0703020202090204" pitchFamily="34" charset="0"/>
+                        <a:latin typeface="Trebuchet MS" panose="020B0603020202020204" pitchFamily="34" charset="0"/>
                       </a:endParaRPr>
                     </a:p>
                   </a:txBody>
@@ -10068,7 +10100,7 @@
                           <a:srgbClr val="FFFFFF"/>
                         </a:solidFill>
                         <a:effectLst/>
-                        <a:latin typeface="Trebuchet MS" panose="020B0703020202090204" pitchFamily="34" charset="0"/>
+                        <a:latin typeface="Trebuchet MS" panose="020B0603020202020204" pitchFamily="34" charset="0"/>
                       </a:endParaRPr>
                     </a:p>
                   </a:txBody>
@@ -10091,17 +10123,12 @@
                           <a:srgbClr val="FFFFFF"/>
                         </a:solidFill>
                         <a:effectLst/>
-                        <a:latin typeface="Trebuchet MS" panose="020B0703020202090204" pitchFamily="34" charset="0"/>
+                        <a:latin typeface="Trebuchet MS" panose="020B0603020202020204" pitchFamily="34" charset="0"/>
                       </a:endParaRPr>
                     </a:p>
                   </a:txBody>
                   <a:tcPr marL="9525" marR="9525" marT="9525" marB="0" anchor="ctr"/>
                 </a:tc>
-                <a:extLst>
-                  <a:ext uri="{0D108BD9-81ED-4DB2-BD59-A6C34878D82A}">
-                    <a16:rowId xmlns:a16="http://schemas.microsoft.com/office/drawing/2014/main" val="848178998"/>
-                  </a:ext>
-                </a:extLst>
               </a:tr>
               <a:tr h="317500">
                 <a:tc>
@@ -10121,7 +10148,7 @@
                           <a:srgbClr val="000000"/>
                         </a:solidFill>
                         <a:effectLst/>
-                        <a:latin typeface="Trebuchet MS" panose="020B0703020202090204" pitchFamily="34" charset="0"/>
+                        <a:latin typeface="Trebuchet MS" panose="020B0603020202020204" pitchFamily="34" charset="0"/>
                       </a:endParaRPr>
                     </a:p>
                   </a:txBody>
@@ -10144,7 +10171,7 @@
                           <a:srgbClr val="000000"/>
                         </a:solidFill>
                         <a:effectLst/>
-                        <a:latin typeface="Trebuchet MS" panose="020B0703020202090204" pitchFamily="34" charset="0"/>
+                        <a:latin typeface="Trebuchet MS" panose="020B0603020202020204" pitchFamily="34" charset="0"/>
                       </a:endParaRPr>
                     </a:p>
                   </a:txBody>
@@ -10171,7 +10198,7 @@
                           <a:srgbClr val="000000"/>
                         </a:solidFill>
                         <a:effectLst/>
-                        <a:latin typeface="Trebuchet MS" panose="020B0703020202090204" pitchFamily="34" charset="0"/>
+                        <a:latin typeface="Trebuchet MS" panose="020B0603020202020204" pitchFamily="34" charset="0"/>
                       </a:endParaRPr>
                     </a:p>
                   </a:txBody>
@@ -10198,7 +10225,7 @@
                           <a:srgbClr val="000000"/>
                         </a:solidFill>
                         <a:effectLst/>
-                        <a:latin typeface="Trebuchet MS" panose="020B0703020202090204" pitchFamily="34" charset="0"/>
+                        <a:latin typeface="Trebuchet MS" panose="020B0603020202020204" pitchFamily="34" charset="0"/>
                       </a:endParaRPr>
                     </a:p>
                   </a:txBody>
@@ -10225,7 +10252,7 @@
                           <a:srgbClr val="000000"/>
                         </a:solidFill>
                         <a:effectLst/>
-                        <a:latin typeface="Trebuchet MS" panose="020B0703020202090204" pitchFamily="34" charset="0"/>
+                        <a:latin typeface="Trebuchet MS" panose="020B0603020202020204" pitchFamily="34" charset="0"/>
                       </a:endParaRPr>
                     </a:p>
                   </a:txBody>
@@ -10252,7 +10279,7 @@
                           <a:srgbClr val="000000"/>
                         </a:solidFill>
                         <a:effectLst/>
-                        <a:latin typeface="Trebuchet MS" panose="020B0703020202090204" pitchFamily="34" charset="0"/>
+                        <a:latin typeface="Trebuchet MS" panose="020B0603020202020204" pitchFamily="34" charset="0"/>
                       </a:endParaRPr>
                     </a:p>
                   </a:txBody>
@@ -10262,11 +10289,6 @@
                     </a:solidFill>
                   </a:tcPr>
                 </a:tc>
-                <a:extLst>
-                  <a:ext uri="{0D108BD9-81ED-4DB2-BD59-A6C34878D82A}">
-                    <a16:rowId xmlns:a16="http://schemas.microsoft.com/office/drawing/2014/main" val="2029064677"/>
-                  </a:ext>
-                </a:extLst>
               </a:tr>
               <a:tr h="304800">
                 <a:tc>
@@ -10286,7 +10308,7 @@
                           <a:srgbClr val="000000"/>
                         </a:solidFill>
                         <a:effectLst/>
-                        <a:latin typeface="Trebuchet MS" panose="020B0703020202090204" pitchFamily="34" charset="0"/>
+                        <a:latin typeface="Trebuchet MS" panose="020B0603020202020204" pitchFamily="34" charset="0"/>
                       </a:endParaRPr>
                     </a:p>
                   </a:txBody>
@@ -10309,7 +10331,7 @@
                           <a:srgbClr val="000000"/>
                         </a:solidFill>
                         <a:effectLst/>
-                        <a:latin typeface="Trebuchet MS" panose="020B0703020202090204" pitchFamily="34" charset="0"/>
+                        <a:latin typeface="Trebuchet MS" panose="020B0603020202020204" pitchFamily="34" charset="0"/>
                       </a:endParaRPr>
                     </a:p>
                   </a:txBody>
@@ -10336,7 +10358,7 @@
                           <a:srgbClr val="000000"/>
                         </a:solidFill>
                         <a:effectLst/>
-                        <a:latin typeface="Trebuchet MS" panose="020B0703020202090204" pitchFamily="34" charset="0"/>
+                        <a:latin typeface="Trebuchet MS" panose="020B0603020202020204" pitchFamily="34" charset="0"/>
                       </a:endParaRPr>
                     </a:p>
                   </a:txBody>
@@ -10363,7 +10385,7 @@
                           <a:srgbClr val="000000"/>
                         </a:solidFill>
                         <a:effectLst/>
-                        <a:latin typeface="Trebuchet MS" panose="020B0703020202090204" pitchFamily="34" charset="0"/>
+                        <a:latin typeface="Trebuchet MS" panose="020B0603020202020204" pitchFamily="34" charset="0"/>
                       </a:endParaRPr>
                     </a:p>
                   </a:txBody>
@@ -10390,7 +10412,7 @@
                           <a:srgbClr val="000000"/>
                         </a:solidFill>
                         <a:effectLst/>
-                        <a:latin typeface="Trebuchet MS" panose="020B0703020202090204" pitchFamily="34" charset="0"/>
+                        <a:latin typeface="Trebuchet MS" panose="020B0603020202020204" pitchFamily="34" charset="0"/>
                       </a:endParaRPr>
                     </a:p>
                   </a:txBody>
@@ -10417,7 +10439,7 @@
                           <a:srgbClr val="000000"/>
                         </a:solidFill>
                         <a:effectLst/>
-                        <a:latin typeface="Trebuchet MS" panose="020B0703020202090204" pitchFamily="34" charset="0"/>
+                        <a:latin typeface="Trebuchet MS" panose="020B0603020202020204" pitchFamily="34" charset="0"/>
                       </a:endParaRPr>
                     </a:p>
                   </a:txBody>
@@ -10427,11 +10449,6 @@
                     </a:solidFill>
                   </a:tcPr>
                 </a:tc>
-                <a:extLst>
-                  <a:ext uri="{0D108BD9-81ED-4DB2-BD59-A6C34878D82A}">
-                    <a16:rowId xmlns:a16="http://schemas.microsoft.com/office/drawing/2014/main" val="1697238585"/>
-                  </a:ext>
-                </a:extLst>
               </a:tr>
               <a:tr h="495300">
                 <a:tc>
@@ -10455,7 +10472,7 @@
                           <a:srgbClr val="000000"/>
                         </a:solidFill>
                         <a:effectLst/>
-                        <a:latin typeface="Trebuchet MS" panose="020B0703020202090204" pitchFamily="34" charset="0"/>
+                        <a:latin typeface="Trebuchet MS" panose="020B0603020202020204" pitchFamily="34" charset="0"/>
                       </a:endParaRPr>
                     </a:p>
                   </a:txBody>
@@ -10478,7 +10495,7 @@
                           <a:srgbClr val="000000"/>
                         </a:solidFill>
                         <a:effectLst/>
-                        <a:latin typeface="Trebuchet MS" panose="020B0703020202090204" pitchFamily="34" charset="0"/>
+                        <a:latin typeface="Trebuchet MS" panose="020B0603020202020204" pitchFamily="34" charset="0"/>
                       </a:endParaRPr>
                     </a:p>
                   </a:txBody>
@@ -10505,7 +10522,7 @@
                           <a:srgbClr val="000000"/>
                         </a:solidFill>
                         <a:effectLst/>
-                        <a:latin typeface="Trebuchet MS" panose="020B0703020202090204" pitchFamily="34" charset="0"/>
+                        <a:latin typeface="Trebuchet MS" panose="020B0603020202020204" pitchFamily="34" charset="0"/>
                       </a:endParaRPr>
                     </a:p>
                   </a:txBody>
@@ -10532,7 +10549,7 @@
                           <a:srgbClr val="000000"/>
                         </a:solidFill>
                         <a:effectLst/>
-                        <a:latin typeface="Trebuchet MS" panose="020B0703020202090204" pitchFamily="34" charset="0"/>
+                        <a:latin typeface="Trebuchet MS" panose="020B0603020202020204" pitchFamily="34" charset="0"/>
                       </a:endParaRPr>
                     </a:p>
                   </a:txBody>
@@ -10559,7 +10576,7 @@
                           <a:srgbClr val="000000"/>
                         </a:solidFill>
                         <a:effectLst/>
-                        <a:latin typeface="Trebuchet MS" panose="020B0703020202090204" pitchFamily="34" charset="0"/>
+                        <a:latin typeface="Trebuchet MS" panose="020B0603020202020204" pitchFamily="34" charset="0"/>
                       </a:endParaRPr>
                     </a:p>
                   </a:txBody>
@@ -10586,7 +10603,7 @@
                           <a:srgbClr val="000000"/>
                         </a:solidFill>
                         <a:effectLst/>
-                        <a:latin typeface="Trebuchet MS" panose="020B0703020202090204" pitchFamily="34" charset="0"/>
+                        <a:latin typeface="Trebuchet MS" panose="020B0603020202020204" pitchFamily="34" charset="0"/>
                       </a:endParaRPr>
                     </a:p>
                   </a:txBody>
@@ -10596,11 +10613,6 @@
                     </a:solidFill>
                   </a:tcPr>
                 </a:tc>
-                <a:extLst>
-                  <a:ext uri="{0D108BD9-81ED-4DB2-BD59-A6C34878D82A}">
-                    <a16:rowId xmlns:a16="http://schemas.microsoft.com/office/drawing/2014/main" val="2304088812"/>
-                  </a:ext>
-                </a:extLst>
               </a:tr>
               <a:tr h="292100">
                 <a:tc>
@@ -10630,7 +10642,7 @@
                           <a:srgbClr val="000000"/>
                         </a:solidFill>
                         <a:effectLst/>
-                        <a:latin typeface="Trebuchet MS" panose="020B0703020202090204" pitchFamily="34" charset="0"/>
+                        <a:latin typeface="Trebuchet MS" panose="020B0603020202020204" pitchFamily="34" charset="0"/>
                       </a:endParaRPr>
                     </a:p>
                   </a:txBody>
@@ -10653,7 +10665,7 @@
                           <a:srgbClr val="000000"/>
                         </a:solidFill>
                         <a:effectLst/>
-                        <a:latin typeface="Trebuchet MS" panose="020B0703020202090204" pitchFamily="34" charset="0"/>
+                        <a:latin typeface="Trebuchet MS" panose="020B0603020202020204" pitchFamily="34" charset="0"/>
                       </a:endParaRPr>
                     </a:p>
                   </a:txBody>
@@ -10680,7 +10692,7 @@
                           <a:srgbClr val="000000"/>
                         </a:solidFill>
                         <a:effectLst/>
-                        <a:latin typeface="Trebuchet MS" panose="020B0703020202090204" pitchFamily="34" charset="0"/>
+                        <a:latin typeface="Trebuchet MS" panose="020B0603020202020204" pitchFamily="34" charset="0"/>
                       </a:endParaRPr>
                     </a:p>
                   </a:txBody>
@@ -10707,7 +10719,7 @@
                           <a:srgbClr val="000000"/>
                         </a:solidFill>
                         <a:effectLst/>
-                        <a:latin typeface="Trebuchet MS" panose="020B0703020202090204" pitchFamily="34" charset="0"/>
+                        <a:latin typeface="Trebuchet MS" panose="020B0603020202020204" pitchFamily="34" charset="0"/>
                       </a:endParaRPr>
                     </a:p>
                   </a:txBody>
@@ -10734,7 +10746,7 @@
                           <a:srgbClr val="000000"/>
                         </a:solidFill>
                         <a:effectLst/>
-                        <a:latin typeface="Trebuchet MS" panose="020B0703020202090204" pitchFamily="34" charset="0"/>
+                        <a:latin typeface="Trebuchet MS" panose="020B0603020202020204" pitchFamily="34" charset="0"/>
                       </a:endParaRPr>
                     </a:p>
                   </a:txBody>
@@ -10761,7 +10773,7 @@
                           <a:srgbClr val="000000"/>
                         </a:solidFill>
                         <a:effectLst/>
-                        <a:latin typeface="Trebuchet MS" panose="020B0703020202090204" pitchFamily="34" charset="0"/>
+                        <a:latin typeface="Trebuchet MS" panose="020B0603020202020204" pitchFamily="34" charset="0"/>
                       </a:endParaRPr>
                     </a:p>
                   </a:txBody>
@@ -10771,11 +10783,6 @@
                     </a:solidFill>
                   </a:tcPr>
                 </a:tc>
-                <a:extLst>
-                  <a:ext uri="{0D108BD9-81ED-4DB2-BD59-A6C34878D82A}">
-                    <a16:rowId xmlns:a16="http://schemas.microsoft.com/office/drawing/2014/main" val="807518460"/>
-                  </a:ext>
-                </a:extLst>
               </a:tr>
             </a:tbl>
           </a:graphicData>
@@ -10808,20 +10815,14 @@
       </p:grpSpPr>
       <p:pic>
         <p:nvPicPr>
-          <p:cNvPr id="6" name="Picture 5">
-            <a:extLst>
-              <a:ext uri="{FF2B5EF4-FFF2-40B4-BE49-F238E27FC236}">
-                <a16:creationId xmlns:a16="http://schemas.microsoft.com/office/drawing/2014/main" id="{2608176A-5942-F340-A409-6E3B241D92CD}"/>
-              </a:ext>
-            </a:extLst>
-          </p:cNvPr>
+          <p:cNvPr id="6" name="Picture 5"/>
           <p:cNvPicPr>
             <a:picLocks noChangeAspect="1"/>
           </p:cNvPicPr>
           <p:nvPr/>
         </p:nvPicPr>
         <p:blipFill>
-          <a:blip r:embed="rId2"/>
+          <a:blip r:embed="rId1"/>
           <a:stretch>
             <a:fillRect/>
           </a:stretch>
@@ -10855,6 +10856,7 @@
               <a:rPr lang="en-US" dirty="0"/>
               <a:t>Conclusion</a:t>
             </a:r>
+            <a:endParaRPr lang="en-US" dirty="0"/>
           </a:p>
         </p:txBody>
       </p:sp>
@@ -10888,6 +10890,7 @@
               <a:rPr lang="en-US" sz="2200" dirty="0"/>
               <a:t> has distinct qualities</a:t>
             </a:r>
+            <a:endParaRPr lang="en-US" sz="2200" dirty="0"/>
           </a:p>
           <a:p>
             <a:pPr lvl="1"/>
@@ -10895,6 +10898,7 @@
               <a:rPr lang="en-US" sz="2200" dirty="0"/>
               <a:t>Appealing to beer drinkers in many demographics.</a:t>
             </a:r>
+            <a:endParaRPr lang="en-US" sz="2200" dirty="0"/>
           </a:p>
           <a:p>
             <a:pPr lvl="1"/>
@@ -10902,6 +10906,7 @@
               <a:rPr lang="en-US" sz="2200" dirty="0"/>
               <a:t>Successful market testing (Seattle, Washington, and Boulder, Colorado)</a:t>
             </a:r>
+            <a:endParaRPr lang="en-US" sz="2200" dirty="0"/>
           </a:p>
           <a:p>
             <a:r>
@@ -10916,6 +10921,7 @@
               <a:rPr lang="en-US" sz="2200" dirty="0"/>
               <a:t> (ABV x IBU) ranks West Virginia, New Mexico, and Florida as the top three market states.</a:t>
             </a:r>
+            <a:endParaRPr lang="en-US" sz="2200" dirty="0"/>
           </a:p>
           <a:p>
             <a:r>
@@ -10926,6 +10932,7 @@
               <a:rPr lang="en-US" sz="2200" dirty="0"/>
               <a:t>:</a:t>
             </a:r>
+            <a:endParaRPr lang="en-US" sz="2200" dirty="0"/>
           </a:p>
           <a:p>
             <a:pPr lvl="1"/>
@@ -10933,6 +10940,7 @@
               <a:rPr lang="en-US" sz="2200" dirty="0"/>
               <a:t>High octane ABV of 12%</a:t>
             </a:r>
+            <a:endParaRPr lang="en-US" sz="2200" dirty="0"/>
           </a:p>
           <a:p>
             <a:pPr lvl="1"/>
@@ -10940,6 +10948,7 @@
               <a:rPr lang="en-US" sz="2200" dirty="0"/>
               <a:t>Subtle IBU of 33</a:t>
             </a:r>
+            <a:endParaRPr lang="en-US" sz="2200" dirty="0"/>
           </a:p>
           <a:p>
             <a:pPr lvl="1"/>
@@ -10947,6 +10956,7 @@
               <a:rPr lang="en-US" sz="2200" dirty="0"/>
               <a:t>Will make its mark in these new markets.</a:t>
             </a:r>
+            <a:endParaRPr lang="en-US" sz="2200" dirty="0"/>
           </a:p>
         </p:txBody>
       </p:sp>
@@ -11008,7 +11018,7 @@
         </p:nvSpPr>
         <p:spPr>
           <a:xfrm>
-            <a:off x="7969063" y="4112895"/>
+            <a:off x="7956998" y="4514215"/>
             <a:ext cx="280035" cy="255270"/>
           </a:xfrm>
           <a:prstGeom prst="star5">
@@ -11352,8 +11362,6 @@
       </a:bgFillStyleLst>
     </a:fmtScheme>
   </a:themeElements>
-  <a:objectDefaults/>
-  <a:extraClrSchemeLst/>
   <a:extLst>
     <a:ext uri="{05A4C25C-085E-4340-85A3-A5531E510DB2}">
       <thm15:themeFamily xmlns:thm15="http://schemas.microsoft.com/office/thememl/2012/main" name="Office Theme" id="{62F939B6-93AF-4DB8-9C6B-D6C7DFDC589F}" vid="{4A3C46E8-61CC-4603-A589-7422A47A8E4A}"/>
@@ -11405,7 +11413,7 @@
     </a:clrScheme>
     <a:fontScheme name="Office">
       <a:majorFont>
-        <a:latin typeface="Calibri Light" panose="020F0302020204030204"/>
+        <a:latin typeface="Calibri Light"/>
         <a:ea typeface=""/>
         <a:cs typeface=""/>
         <a:font script="Jpan" typeface="游ゴシック Light"/>
@@ -11438,26 +11446,9 @@
         <a:font script="Viet" typeface="Times New Roman"/>
         <a:font script="Uigh" typeface="Microsoft Uighur"/>
         <a:font script="Geor" typeface="Sylfaen"/>
-        <a:font script="Armn" typeface="Arial"/>
-        <a:font script="Bugi" typeface="Leelawadee UI"/>
-        <a:font script="Bopo" typeface="Microsoft JhengHei"/>
-        <a:font script="Java" typeface="Javanese Text"/>
-        <a:font script="Lisu" typeface="Segoe UI"/>
-        <a:font script="Mymr" typeface="Myanmar Text"/>
-        <a:font script="Nkoo" typeface="Ebrima"/>
-        <a:font script="Olck" typeface="Nirmala UI"/>
-        <a:font script="Osma" typeface="Ebrima"/>
-        <a:font script="Phag" typeface="Phagspa"/>
-        <a:font script="Syrn" typeface="Estrangelo Edessa"/>
-        <a:font script="Syrj" typeface="Estrangelo Edessa"/>
-        <a:font script="Syre" typeface="Estrangelo Edessa"/>
-        <a:font script="Sora" typeface="Nirmala UI"/>
-        <a:font script="Tale" typeface="Microsoft Tai Le"/>
-        <a:font script="Talu" typeface="Microsoft New Tai Lue"/>
-        <a:font script="Tfng" typeface="Ebrima"/>
       </a:majorFont>
       <a:minorFont>
-        <a:latin typeface="Calibri" panose="020F0502020204030204"/>
+        <a:latin typeface="Calibri"/>
         <a:ea typeface=""/>
         <a:cs typeface=""/>
         <a:font script="Jpan" typeface="游ゴシック"/>
@@ -11490,23 +11481,6 @@
         <a:font script="Viet" typeface="Arial"/>
         <a:font script="Uigh" typeface="Microsoft Uighur"/>
         <a:font script="Geor" typeface="Sylfaen"/>
-        <a:font script="Armn" typeface="Arial"/>
-        <a:font script="Bugi" typeface="Leelawadee UI"/>
-        <a:font script="Bopo" typeface="Microsoft JhengHei"/>
-        <a:font script="Java" typeface="Javanese Text"/>
-        <a:font script="Lisu" typeface="Segoe UI"/>
-        <a:font script="Mymr" typeface="Myanmar Text"/>
-        <a:font script="Nkoo" typeface="Ebrima"/>
-        <a:font script="Olck" typeface="Nirmala UI"/>
-        <a:font script="Osma" typeface="Ebrima"/>
-        <a:font script="Phag" typeface="Phagspa"/>
-        <a:font script="Syrn" typeface="Estrangelo Edessa"/>
-        <a:font script="Syrj" typeface="Estrangelo Edessa"/>
-        <a:font script="Syre" typeface="Estrangelo Edessa"/>
-        <a:font script="Sora" typeface="Nirmala UI"/>
-        <a:font script="Tale" typeface="Microsoft Tai Le"/>
-        <a:font script="Talu" typeface="Microsoft New Tai Lue"/>
-        <a:font script="Tfng" typeface="Ebrima"/>
       </a:minorFont>
     </a:fontScheme>
     <a:fmtScheme name="Office">
@@ -11647,8 +11621,6 @@
       </a:bgFillStyleLst>
     </a:fmtScheme>
   </a:themeElements>
-  <a:objectDefaults/>
-  <a:extraClrSchemeLst/>
   <a:extLst>
     <a:ext uri="{05A4C25C-085E-4340-85A3-A5531E510DB2}">
       <thm15:themeFamily xmlns:thm15="http://schemas.microsoft.com/office/thememl/2012/main" name="Office Theme" id="{62F939B6-93AF-4DB8-9C6B-D6C7DFDC589F}" vid="{4A3C46E8-61CC-4603-A589-7422A47A8E4A}"/>

--- a/Case Study - Project 1 - frankenscore Heber june 25.pptx
+++ b/Case Study - Project 1 - frankenscore Heber june 25.pptx
@@ -9,8 +9,8 @@
   </p:notesMasterIdLst>
   <p:sldIdLst>
     <p:sldId id="256" r:id="rId3"/>
-    <p:sldId id="266" r:id="rId5"/>
-    <p:sldId id="257" r:id="rId6"/>
+    <p:sldId id="257" r:id="rId5"/>
+    <p:sldId id="266" r:id="rId6"/>
     <p:sldId id="259" r:id="rId7"/>
     <p:sldId id="279" r:id="rId8"/>
     <p:sldId id="258" r:id="rId9"/>
@@ -8675,7 +8675,7 @@
           <a:p>
             <a:r>
               <a:rPr lang="en-US" dirty="0"/>
-              <a:t>Agenda</a:t>
+              <a:t>Introduction</a:t>
             </a:r>
             <a:endParaRPr lang="en-US" dirty="0"/>
           </a:p>
@@ -8688,74 +8688,97 @@
             <a:spLocks noGrp="1"/>
           </p:cNvSpPr>
           <p:nvPr>
-            <p:ph sz="half" idx="1"/>
-          </p:nvPr>
-        </p:nvSpPr>
-        <p:spPr>
-          <a:xfrm>
-            <a:off x="680085" y="2336800"/>
-            <a:ext cx="5307330" cy="3599180"/>
-          </a:xfrm>
-        </p:spPr>
-        <p:txBody>
-          <a:bodyPr>
-            <a:normAutofit/>
-          </a:bodyPr>
+            <p:ph idx="1"/>
+          </p:nvPr>
+        </p:nvSpPr>
+        <p:spPr/>
+        <p:txBody>
+          <a:bodyPr/>
           <a:lstStyle/>
           <a:p>
             <a:r>
-              <a:rPr lang="en-US" dirty="0"/>
-              <a:t>Introduction</a:t>
+              <a:rPr lang="en-US" sz="2200" dirty="0"/>
+              <a:t>The Team</a:t>
+            </a:r>
+            <a:endParaRPr lang="en-US" sz="2200" dirty="0"/>
+          </a:p>
+          <a:p>
+            <a:pPr lvl="1"/>
+            <a:r>
+              <a:rPr lang="en-US" sz="2200" dirty="0"/>
+              <a:t>Allen Crane</a:t>
+            </a:r>
+            <a:endParaRPr lang="en-US" sz="2200" dirty="0"/>
+          </a:p>
+          <a:p>
+            <a:pPr lvl="1"/>
+            <a:r>
+              <a:rPr lang="en-US" sz="2200" dirty="0"/>
+              <a:t>Nick Cellini</a:t>
+            </a:r>
+            <a:endParaRPr lang="en-US" sz="2200" dirty="0"/>
+          </a:p>
+          <a:p>
+            <a:pPr lvl="1"/>
+            <a:r>
+              <a:rPr lang="en-US" sz="2200" dirty="0"/>
+              <a:t>Chris Graves</a:t>
+            </a:r>
+            <a:endParaRPr lang="en-US" sz="2200" dirty="0"/>
+          </a:p>
+          <a:p>
+            <a:pPr lvl="1"/>
+            <a:r>
+              <a:rPr lang="en-US" sz="2200" dirty="0"/>
+              <a:t>Heber Nielsen</a:t>
+            </a:r>
+            <a:endParaRPr lang="en-US" sz="2200" dirty="0"/>
+          </a:p>
+          <a:p>
+            <a:pPr lvl="1"/>
+            <a:r>
+              <a:rPr lang="en-US" sz="2200" dirty="0"/>
+              <a:t>Quincy Roundtree</a:t>
+            </a:r>
+            <a:endParaRPr lang="en-US" sz="2200" dirty="0"/>
+          </a:p>
+          <a:p>
+            <a:r>
+              <a:rPr lang="en-US" sz="2200" dirty="0"/>
+              <a:t>The Purpose</a:t>
+            </a:r>
+            <a:endParaRPr lang="en-US" sz="2200" dirty="0"/>
+          </a:p>
+          <a:p>
+            <a:pPr lvl="1"/>
+            <a:r>
+              <a:rPr lang="en-US" sz="2200" dirty="0"/>
+              <a:t>Evaluate the microbrewery landscape in the US and recommend expansion markets for our </a:t>
+            </a:r>
+            <a:r>
+              <a:rPr lang="en-US" sz="2200" dirty="0" err="1"/>
+              <a:t>FrankenBeer</a:t>
             </a:r>
             <a:endParaRPr lang="en-US" dirty="0"/>
           </a:p>
           <a:p>
-            <a:r>
-              <a:rPr lang="en-US" dirty="0"/>
-              <a:t>Market Backdrop</a:t>
-            </a:r>
+            <a:pPr lvl="1"/>
             <a:endParaRPr lang="en-US" dirty="0"/>
           </a:p>
           <a:p>
-            <a:r>
-              <a:rPr lang="en-US" dirty="0"/>
-              <a:t>Meet </a:t>
-            </a:r>
-            <a:r>
-              <a:rPr lang="en-US" dirty="0" err="1"/>
-              <a:t>FrankenBeer</a:t>
-            </a:r>
+            <a:pPr lvl="1"/>
             <a:endParaRPr lang="en-US" dirty="0"/>
           </a:p>
           <a:p>
-            <a:r>
-              <a:rPr lang="en-US" dirty="0"/>
-              <a:t>Where do we go from here? </a:t>
-            </a:r>
+            <a:pPr lvl="1"/>
             <a:endParaRPr lang="en-US" dirty="0"/>
           </a:p>
           <a:p>
-            <a:r>
-              <a:rPr lang="en-US" dirty="0"/>
-              <a:t>Initial Market Research</a:t>
-            </a:r>
+            <a:pPr lvl="1"/>
             <a:endParaRPr lang="en-US" dirty="0"/>
           </a:p>
           <a:p>
-            <a:r>
-              <a:rPr lang="en-US" dirty="0"/>
-              <a:t>Expansion Market Proposal</a:t>
-            </a:r>
-            <a:endParaRPr lang="en-US" dirty="0"/>
-          </a:p>
-          <a:p>
-            <a:r>
-              <a:rPr lang="en-US" dirty="0"/>
-              <a:t>Conclusion</a:t>
-            </a:r>
-            <a:endParaRPr lang="en-US" dirty="0"/>
-          </a:p>
-          <a:p>
+            <a:pPr lvl="1"/>
             <a:endParaRPr lang="en-US" dirty="0"/>
           </a:p>
         </p:txBody>
@@ -8802,110 +8825,87 @@
           <a:p>
             <a:r>
               <a:rPr lang="en-US" dirty="0"/>
+              <a:t>Agenda</a:t>
+            </a:r>
+            <a:endParaRPr lang="en-US" dirty="0"/>
+          </a:p>
+        </p:txBody>
+      </p:sp>
+      <p:sp>
+        <p:nvSpPr>
+          <p:cNvPr id="3" name="Content Placeholder 2"/>
+          <p:cNvSpPr>
+            <a:spLocks noGrp="1"/>
+          </p:cNvSpPr>
+          <p:nvPr>
+            <p:ph sz="half" idx="1"/>
+          </p:nvPr>
+        </p:nvSpPr>
+        <p:spPr>
+          <a:xfrm>
+            <a:off x="680085" y="2336800"/>
+            <a:ext cx="5307330" cy="3599180"/>
+          </a:xfrm>
+        </p:spPr>
+        <p:txBody>
+          <a:bodyPr>
+            <a:normAutofit/>
+          </a:bodyPr>
+          <a:lstStyle/>
+          <a:p>
+            <a:r>
+              <a:rPr lang="en-US" dirty="0"/>
               <a:t>Introduction</a:t>
             </a:r>
             <a:endParaRPr lang="en-US" dirty="0"/>
           </a:p>
-        </p:txBody>
-      </p:sp>
-      <p:sp>
-        <p:nvSpPr>
-          <p:cNvPr id="3" name="Content Placeholder 2"/>
-          <p:cNvSpPr>
-            <a:spLocks noGrp="1"/>
-          </p:cNvSpPr>
-          <p:nvPr>
-            <p:ph idx="1"/>
-          </p:nvPr>
-        </p:nvSpPr>
-        <p:spPr/>
-        <p:txBody>
-          <a:bodyPr/>
-          <a:lstStyle/>
-          <a:p>
-            <a:r>
-              <a:rPr lang="en-US" sz="2200" dirty="0"/>
-              <a:t>The Team</a:t>
-            </a:r>
-            <a:endParaRPr lang="en-US" sz="2200" dirty="0"/>
-          </a:p>
-          <a:p>
-            <a:pPr lvl="1"/>
-            <a:r>
-              <a:rPr lang="en-US" sz="2200" dirty="0"/>
-              <a:t>Allen Crane</a:t>
-            </a:r>
-            <a:endParaRPr lang="en-US" sz="2200" dirty="0"/>
-          </a:p>
-          <a:p>
-            <a:pPr lvl="1"/>
-            <a:r>
-              <a:rPr lang="en-US" sz="2200" dirty="0"/>
-              <a:t>Nick Cellini</a:t>
-            </a:r>
-            <a:endParaRPr lang="en-US" sz="2200" dirty="0"/>
-          </a:p>
-          <a:p>
-            <a:pPr lvl="1"/>
-            <a:r>
-              <a:rPr lang="en-US" sz="2200" dirty="0"/>
-              <a:t>Chris Graves</a:t>
-            </a:r>
-            <a:endParaRPr lang="en-US" sz="2200" dirty="0"/>
-          </a:p>
-          <a:p>
-            <a:pPr lvl="1"/>
-            <a:r>
-              <a:rPr lang="en-US" sz="2200" dirty="0"/>
-              <a:t>Heber Nielsen</a:t>
-            </a:r>
-            <a:endParaRPr lang="en-US" sz="2200" dirty="0"/>
-          </a:p>
-          <a:p>
-            <a:pPr lvl="1"/>
-            <a:r>
-              <a:rPr lang="en-US" sz="2200" dirty="0"/>
-              <a:t>Quincy Roundtree</a:t>
-            </a:r>
-            <a:endParaRPr lang="en-US" sz="2200" dirty="0"/>
-          </a:p>
-          <a:p>
-            <a:r>
-              <a:rPr lang="en-US" sz="2200" dirty="0"/>
-              <a:t>The Purpose</a:t>
-            </a:r>
-            <a:endParaRPr lang="en-US" sz="2200" dirty="0"/>
-          </a:p>
-          <a:p>
-            <a:pPr lvl="1"/>
-            <a:r>
-              <a:rPr lang="en-US" sz="2200" dirty="0"/>
-              <a:t>Evaluate the microbrewery landscape in the US and recommend expansion markets for our </a:t>
-            </a:r>
-            <a:r>
-              <a:rPr lang="en-US" sz="2200" dirty="0" err="1"/>
+          <a:p>
+            <a:r>
+              <a:rPr lang="en-US" dirty="0"/>
+              <a:t>Market Backdrop</a:t>
+            </a:r>
+            <a:endParaRPr lang="en-US" dirty="0"/>
+          </a:p>
+          <a:p>
+            <a:r>
+              <a:rPr lang="en-US" dirty="0"/>
+              <a:t>Meet </a:t>
+            </a:r>
+            <a:r>
+              <a:rPr lang="en-US" dirty="0" err="1"/>
               <a:t>FrankenBeer</a:t>
             </a:r>
             <a:endParaRPr lang="en-US" dirty="0"/>
           </a:p>
           <a:p>
-            <a:pPr lvl="1"/>
+            <a:r>
+              <a:rPr lang="en-US" dirty="0"/>
+              <a:t>Where do we go from here? </a:t>
+            </a:r>
             <a:endParaRPr lang="en-US" dirty="0"/>
           </a:p>
           <a:p>
-            <a:pPr lvl="1"/>
+            <a:r>
+              <a:rPr lang="en-US" dirty="0"/>
+              <a:t>Initial Market Research</a:t>
+            </a:r>
             <a:endParaRPr lang="en-US" dirty="0"/>
           </a:p>
           <a:p>
-            <a:pPr lvl="1"/>
+            <a:r>
+              <a:rPr lang="en-US" dirty="0"/>
+              <a:t>Expansion Market Proposal</a:t>
+            </a:r>
             <a:endParaRPr lang="en-US" dirty="0"/>
           </a:p>
           <a:p>
-            <a:pPr lvl="1"/>
+            <a:r>
+              <a:rPr lang="en-US" dirty="0"/>
+              <a:t>Conclusion</a:t>
+            </a:r>
             <a:endParaRPr lang="en-US" dirty="0"/>
           </a:p>
           <a:p>
-            <a:pPr lvl="1"/>
             <a:endParaRPr lang="en-US" dirty="0"/>
           </a:p>
         </p:txBody>
